--- a/TT.pptx
+++ b/TT.pptx
@@ -9,14 +9,19 @@
     <p:sldId id="256" r:id="rId3"/>
     <p:sldId id="297" r:id="rId4"/>
     <p:sldId id="279" r:id="rId5"/>
-    <p:sldId id="291" r:id="rId6"/>
-    <p:sldId id="293" r:id="rId7"/>
-    <p:sldId id="290" r:id="rId8"/>
-    <p:sldId id="289" r:id="rId9"/>
-    <p:sldId id="292" r:id="rId10"/>
-    <p:sldId id="296" r:id="rId11"/>
-    <p:sldId id="294" r:id="rId12"/>
-    <p:sldId id="295" r:id="rId13"/>
+    <p:sldId id="299" r:id="rId6"/>
+    <p:sldId id="300" r:id="rId7"/>
+    <p:sldId id="301" r:id="rId8"/>
+    <p:sldId id="291" r:id="rId9"/>
+    <p:sldId id="293" r:id="rId10"/>
+    <p:sldId id="290" r:id="rId11"/>
+    <p:sldId id="289" r:id="rId12"/>
+    <p:sldId id="292" r:id="rId13"/>
+    <p:sldId id="296" r:id="rId14"/>
+    <p:sldId id="302" r:id="rId15"/>
+    <p:sldId id="294" r:id="rId16"/>
+    <p:sldId id="295" r:id="rId17"/>
+    <p:sldId id="303" r:id="rId18"/>
   </p:sldIdLst>
   <p:sldSz cx="12192000" cy="6858000"/>
   <p:notesSz cx="6858000" cy="9144000"/>
@@ -265,7 +270,7 @@
           <a:p>
             <a:fld id="{5E6CD08F-FB2D-4DEF-BC10-4A490193DC67}" type="datetimeFigureOut">
               <a:rPr lang="ko-KR" altLang="en-US" smtClean="0"/>
-              <a:t>2017-09-15</a:t>
+              <a:t>2018-09-20</a:t>
             </a:fld>
             <a:endParaRPr lang="ko-KR" altLang="en-US"/>
           </a:p>
@@ -435,7 +440,7 @@
           <a:p>
             <a:fld id="{5E6CD08F-FB2D-4DEF-BC10-4A490193DC67}" type="datetimeFigureOut">
               <a:rPr lang="ko-KR" altLang="en-US" smtClean="0"/>
-              <a:t>2017-09-15</a:t>
+              <a:t>2018-09-20</a:t>
             </a:fld>
             <a:endParaRPr lang="ko-KR" altLang="en-US"/>
           </a:p>
@@ -615,7 +620,7 @@
           <a:p>
             <a:fld id="{5E6CD08F-FB2D-4DEF-BC10-4A490193DC67}" type="datetimeFigureOut">
               <a:rPr lang="ko-KR" altLang="en-US" smtClean="0"/>
-              <a:t>2017-09-15</a:t>
+              <a:t>2018-09-20</a:t>
             </a:fld>
             <a:endParaRPr lang="ko-KR" altLang="en-US"/>
           </a:p>
@@ -785,7 +790,7 @@
           <a:p>
             <a:fld id="{5E6CD08F-FB2D-4DEF-BC10-4A490193DC67}" type="datetimeFigureOut">
               <a:rPr lang="ko-KR" altLang="en-US" smtClean="0"/>
-              <a:t>2017-09-15</a:t>
+              <a:t>2018-09-20</a:t>
             </a:fld>
             <a:endParaRPr lang="ko-KR" altLang="en-US"/>
           </a:p>
@@ -1031,7 +1036,7 @@
           <a:p>
             <a:fld id="{5E6CD08F-FB2D-4DEF-BC10-4A490193DC67}" type="datetimeFigureOut">
               <a:rPr lang="ko-KR" altLang="en-US" smtClean="0"/>
-              <a:t>2017-09-15</a:t>
+              <a:t>2018-09-20</a:t>
             </a:fld>
             <a:endParaRPr lang="ko-KR" altLang="en-US"/>
           </a:p>
@@ -1263,7 +1268,7 @@
           <a:p>
             <a:fld id="{5E6CD08F-FB2D-4DEF-BC10-4A490193DC67}" type="datetimeFigureOut">
               <a:rPr lang="ko-KR" altLang="en-US" smtClean="0"/>
-              <a:t>2017-09-15</a:t>
+              <a:t>2018-09-20</a:t>
             </a:fld>
             <a:endParaRPr lang="ko-KR" altLang="en-US"/>
           </a:p>
@@ -1630,7 +1635,7 @@
           <a:p>
             <a:fld id="{5E6CD08F-FB2D-4DEF-BC10-4A490193DC67}" type="datetimeFigureOut">
               <a:rPr lang="ko-KR" altLang="en-US" smtClean="0"/>
-              <a:t>2017-09-15</a:t>
+              <a:t>2018-09-20</a:t>
             </a:fld>
             <a:endParaRPr lang="ko-KR" altLang="en-US"/>
           </a:p>
@@ -1748,7 +1753,7 @@
           <a:p>
             <a:fld id="{5E6CD08F-FB2D-4DEF-BC10-4A490193DC67}" type="datetimeFigureOut">
               <a:rPr lang="ko-KR" altLang="en-US" smtClean="0"/>
-              <a:t>2017-09-15</a:t>
+              <a:t>2018-09-20</a:t>
             </a:fld>
             <a:endParaRPr lang="ko-KR" altLang="en-US"/>
           </a:p>
@@ -1843,7 +1848,7 @@
           <a:p>
             <a:fld id="{5E6CD08F-FB2D-4DEF-BC10-4A490193DC67}" type="datetimeFigureOut">
               <a:rPr lang="ko-KR" altLang="en-US" smtClean="0"/>
-              <a:t>2017-09-15</a:t>
+              <a:t>2018-09-20</a:t>
             </a:fld>
             <a:endParaRPr lang="ko-KR" altLang="en-US"/>
           </a:p>
@@ -2120,7 +2125,7 @@
           <a:p>
             <a:fld id="{5E6CD08F-FB2D-4DEF-BC10-4A490193DC67}" type="datetimeFigureOut">
               <a:rPr lang="ko-KR" altLang="en-US" smtClean="0"/>
-              <a:t>2017-09-15</a:t>
+              <a:t>2018-09-20</a:t>
             </a:fld>
             <a:endParaRPr lang="ko-KR" altLang="en-US"/>
           </a:p>
@@ -2373,7 +2378,7 @@
           <a:p>
             <a:fld id="{5E6CD08F-FB2D-4DEF-BC10-4A490193DC67}" type="datetimeFigureOut">
               <a:rPr lang="ko-KR" altLang="en-US" smtClean="0"/>
-              <a:t>2017-09-15</a:t>
+              <a:t>2018-09-20</a:t>
             </a:fld>
             <a:endParaRPr lang="ko-KR" altLang="en-US"/>
           </a:p>
@@ -2586,7 +2591,7 @@
           <a:p>
             <a:fld id="{5E6CD08F-FB2D-4DEF-BC10-4A490193DC67}" type="datetimeFigureOut">
               <a:rPr lang="ko-KR" altLang="en-US" smtClean="0"/>
-              <a:t>2017-09-15</a:t>
+              <a:t>2018-09-20</a:t>
             </a:fld>
             <a:endParaRPr lang="ko-KR" altLang="en-US"/>
           </a:p>
@@ -3059,8 +3064,16 @@
           <a:lstStyle/>
           <a:p>
             <a:r>
+              <a:rPr lang="en-US" altLang="ko-KR" b="1" dirty="0" smtClean="0"/>
+              <a:t>Commit</a:t>
+            </a:r>
+            <a:r>
               <a:rPr lang="ko-KR" altLang="en-US" b="1" dirty="0" smtClean="0"/>
-              <a:t>회복기법</a:t>
+              <a:t>과 </a:t>
+            </a:r>
+            <a:r>
+              <a:rPr lang="en-US" altLang="ko-KR" b="1" dirty="0" smtClean="0"/>
+              <a:t>Rollback</a:t>
             </a:r>
             <a:endParaRPr lang="ko-KR" altLang="en-US" b="1" dirty="0"/>
           </a:p>
@@ -3068,7 +3081,7 @@
       </p:sp>
       <p:sp>
         <p:nvSpPr>
-          <p:cNvPr id="5" name="내용 개체 틀 2"/>
+          <p:cNvPr id="3" name="내용 개체 틀 2"/>
           <p:cNvSpPr>
             <a:spLocks noGrp="1"/>
           </p:cNvSpPr>
@@ -3094,8 +3107,8 @@
               </a:lnSpc>
             </a:pPr>
             <a:r>
-              <a:rPr lang="en-US" altLang="ko-KR" sz="1800" b="1" dirty="0"/>
-              <a:t>Log</a:t>
+              <a:rPr lang="en-US" altLang="ko-KR" sz="1800" b="1" dirty="0" smtClean="0"/>
+              <a:t>Commit</a:t>
             </a:r>
           </a:p>
           <a:p>
@@ -3105,49 +3118,207 @@
               </a:lnSpc>
             </a:pPr>
             <a:r>
+              <a:rPr lang="ko-KR" altLang="en-US" sz="1800" dirty="0" smtClean="0"/>
+              <a:t>수행한 </a:t>
+            </a:r>
+            <a:r>
+              <a:rPr lang="en-US" altLang="ko-KR" sz="1800" dirty="0"/>
+              <a:t>DML </a:t>
+            </a:r>
+            <a:r>
               <a:rPr lang="ko-KR" altLang="en-US" sz="1800" dirty="0"/>
-              <a:t>트랜잭션이 수행되어 변경되는 데이터베이스의 상황 정보를 기록한 것</a:t>
+              <a:t>명령어들을 </a:t>
+            </a:r>
+            <a:r>
+              <a:rPr lang="ko-KR" altLang="en-US" sz="1800" b="1" dirty="0">
+                <a:solidFill>
+                  <a:srgbClr val="FF0000"/>
+                </a:solidFill>
+              </a:rPr>
+              <a:t>최종적으로 데이터에 </a:t>
+            </a:r>
+            <a:r>
+              <a:rPr lang="ko-KR" altLang="en-US" sz="1800" b="1" dirty="0" smtClean="0">
+                <a:solidFill>
+                  <a:srgbClr val="FF0000"/>
+                </a:solidFill>
+              </a:rPr>
+              <a:t>반영</a:t>
+            </a:r>
+            <a:r>
+              <a:rPr lang="ko-KR" altLang="en-US" sz="1800" dirty="0" smtClean="0"/>
+              <a:t>하는 명령어</a:t>
+            </a:r>
+            <a:endParaRPr lang="en-US" altLang="ko-KR" sz="1800" dirty="0" smtClean="0"/>
+          </a:p>
+          <a:p>
+            <a:pPr>
+              <a:lnSpc>
+                <a:spcPct val="150000"/>
+              </a:lnSpc>
+            </a:pPr>
+            <a:r>
+              <a:rPr lang="en-US" altLang="ko-KR" sz="1800" b="1" dirty="0" smtClean="0"/>
+              <a:t>Rollback</a:t>
+            </a:r>
+          </a:p>
+          <a:p>
+            <a:pPr lvl="1">
+              <a:lnSpc>
+                <a:spcPct val="150000"/>
+              </a:lnSpc>
+            </a:pPr>
+            <a:r>
+              <a:rPr lang="ko-KR" altLang="en-US" sz="1800" dirty="0"/>
+              <a:t>수행한 </a:t>
+            </a:r>
+            <a:r>
+              <a:rPr lang="en-US" altLang="ko-KR" sz="1800" dirty="0"/>
+              <a:t>DML </a:t>
+            </a:r>
+            <a:r>
+              <a:rPr lang="ko-KR" altLang="en-US" sz="1800" b="1" dirty="0">
+                <a:solidFill>
+                  <a:srgbClr val="FF0000"/>
+                </a:solidFill>
+              </a:rPr>
+              <a:t>명령어들을 </a:t>
+            </a:r>
+            <a:r>
+              <a:rPr lang="ko-KR" altLang="en-US" sz="1800" b="1" dirty="0" smtClean="0">
+                <a:solidFill>
+                  <a:srgbClr val="FF0000"/>
+                </a:solidFill>
+              </a:rPr>
+              <a:t>취소</a:t>
+            </a:r>
+            <a:r>
+              <a:rPr lang="ko-KR" altLang="en-US" sz="1800" dirty="0" smtClean="0"/>
+              <a:t>하는 명령어</a:t>
+            </a:r>
+            <a:endParaRPr lang="en-US" altLang="ko-KR" sz="1800" dirty="0" smtClean="0"/>
+          </a:p>
+          <a:p>
+            <a:pPr>
+              <a:lnSpc>
+                <a:spcPct val="150000"/>
+              </a:lnSpc>
+            </a:pPr>
+            <a:r>
+              <a:rPr lang="ko-KR" altLang="en-US" sz="1800" b="1" dirty="0" smtClean="0"/>
+              <a:t>자동으로 </a:t>
+            </a:r>
+            <a:r>
+              <a:rPr lang="en-US" altLang="ko-KR" sz="1800" b="1" dirty="0" smtClean="0"/>
+              <a:t>Commit</a:t>
+            </a:r>
+            <a:r>
+              <a:rPr lang="en-US" altLang="ko-KR" sz="1800" dirty="0" smtClean="0"/>
+              <a:t> </a:t>
+            </a:r>
+            <a:r>
+              <a:rPr lang="ko-KR" altLang="en-US" sz="1800" dirty="0" smtClean="0"/>
+              <a:t>되는 경우 </a:t>
+            </a:r>
+            <a:r>
+              <a:rPr lang="en-US" altLang="ko-KR" sz="1800" dirty="0" smtClean="0"/>
+              <a:t>(Auto Commit)</a:t>
+            </a:r>
+          </a:p>
+          <a:p>
+            <a:pPr lvl="1">
+              <a:lnSpc>
+                <a:spcPct val="150000"/>
+              </a:lnSpc>
+            </a:pPr>
+            <a:r>
+              <a:rPr lang="en-US" altLang="ko-KR" sz="1800" dirty="0" smtClean="0"/>
+              <a:t>SQL*Plus</a:t>
+            </a:r>
+            <a:r>
+              <a:rPr lang="ko-KR" altLang="en-US" sz="1800" dirty="0" smtClean="0"/>
+              <a:t>의 </a:t>
+            </a:r>
+            <a:r>
+              <a:rPr lang="ko-KR" altLang="en-US" sz="1800" b="1" dirty="0" smtClean="0"/>
+              <a:t>정상 종료</a:t>
+            </a:r>
+            <a:endParaRPr lang="en-US" altLang="ko-KR" sz="1800" b="1" dirty="0" smtClean="0"/>
+          </a:p>
+          <a:p>
+            <a:pPr lvl="1">
+              <a:lnSpc>
+                <a:spcPct val="150000"/>
+              </a:lnSpc>
+            </a:pPr>
+            <a:r>
+              <a:rPr lang="en-US" altLang="ko-KR" sz="1800" dirty="0" smtClean="0"/>
+              <a:t>DDL, DCL </a:t>
+            </a:r>
+            <a:r>
+              <a:rPr lang="ko-KR" altLang="en-US" sz="1800" dirty="0" smtClean="0"/>
+              <a:t>명령문이 실행되는 경우</a:t>
             </a:r>
             <a:endParaRPr lang="en-US" altLang="ko-KR" sz="1800" dirty="0"/>
           </a:p>
           <a:p>
             <a:pPr>
               <a:lnSpc>
-                <a:spcPct val="100000"/>
-              </a:lnSpc>
-            </a:pPr>
+                <a:spcPct val="150000"/>
+              </a:lnSpc>
+            </a:pPr>
+            <a:r>
+              <a:rPr lang="ko-KR" altLang="en-US" sz="1800" b="1" dirty="0" smtClean="0"/>
+              <a:t>자동으로 </a:t>
+            </a:r>
             <a:r>
               <a:rPr lang="en-US" altLang="ko-KR" sz="1800" b="1" dirty="0" smtClean="0"/>
-              <a:t>REDO</a:t>
+              <a:t>Rollback</a:t>
+            </a:r>
+            <a:r>
+              <a:rPr lang="en-US" altLang="ko-KR" sz="1800" dirty="0" smtClean="0"/>
+              <a:t> </a:t>
+            </a:r>
+            <a:r>
+              <a:rPr lang="ko-KR" altLang="en-US" sz="1800" dirty="0" smtClean="0"/>
+              <a:t>되는 경우 </a:t>
+            </a:r>
+            <a:r>
+              <a:rPr lang="en-US" altLang="ko-KR" sz="1800" dirty="0"/>
+              <a:t>(Auto </a:t>
+            </a:r>
+            <a:r>
+              <a:rPr lang="en-US" altLang="ko-KR" sz="1800" dirty="0" smtClean="0"/>
+              <a:t>Rollback)</a:t>
             </a:r>
           </a:p>
           <a:p>
             <a:pPr marL="685800" lvl="2">
               <a:lnSpc>
-                <a:spcPct val="100000"/>
+                <a:spcPct val="150000"/>
               </a:lnSpc>
               <a:spcBef>
                 <a:spcPts val="1000"/>
               </a:spcBef>
             </a:pPr>
             <a:r>
-              <a:rPr lang="ko-KR" altLang="en-US" sz="1800" dirty="0" smtClean="0"/>
-              <a:t>트랜잭션이 수행되어 </a:t>
-            </a:r>
-            <a:r>
-              <a:rPr lang="en-US" altLang="ko-KR" sz="1800" dirty="0" smtClean="0"/>
-              <a:t>COMMIT</a:t>
-            </a:r>
-            <a:r>
-              <a:rPr lang="ko-KR" altLang="en-US" sz="1800" dirty="0" smtClean="0"/>
-              <a:t>이 되면 변경된 내용을 데이터베이스에 반영</a:t>
-            </a:r>
-            <a:endParaRPr lang="en-US" altLang="ko-KR" sz="1800" dirty="0" smtClean="0"/>
+              <a:rPr lang="en-US" altLang="ko-KR" sz="1800" dirty="0"/>
+              <a:t>SQL*Plus</a:t>
+            </a:r>
+            <a:r>
+              <a:rPr lang="ko-KR" altLang="en-US" sz="1800" dirty="0"/>
+              <a:t>의 </a:t>
+            </a:r>
+            <a:r>
+              <a:rPr lang="ko-KR" altLang="en-US" sz="1800" b="1" dirty="0" smtClean="0"/>
+              <a:t>비정상 종료</a:t>
+            </a:r>
+            <a:endParaRPr lang="en-US" altLang="ko-KR" sz="1800" b="1" dirty="0" smtClean="0"/>
           </a:p>
           <a:p>
             <a:pPr marL="685800" lvl="2">
               <a:lnSpc>
-                <a:spcPct val="100000"/>
+                <a:spcPct val="150000"/>
               </a:lnSpc>
               <a:spcBef>
                 <a:spcPts val="1000"/>
@@ -3155,171 +3326,38 @@
             </a:pPr>
             <a:r>
               <a:rPr lang="ko-KR" altLang="en-US" sz="1800" dirty="0" smtClean="0"/>
-              <a:t>로그</a:t>
-            </a:r>
-            <a:r>
-              <a:rPr lang="en-US" altLang="ko-KR" sz="1800" dirty="0" smtClean="0"/>
-              <a:t>(Log)</a:t>
-            </a:r>
-            <a:r>
-              <a:rPr lang="ko-KR" altLang="en-US" sz="1800" dirty="0" smtClean="0"/>
-              <a:t>의 내용을 토대로 </a:t>
-            </a:r>
-            <a:r>
-              <a:rPr lang="ko-KR" altLang="en-US" sz="1800" dirty="0" err="1" smtClean="0"/>
-              <a:t>재수행하며</a:t>
-            </a:r>
-            <a:r>
-              <a:rPr lang="ko-KR" altLang="en-US" sz="1800" dirty="0" smtClean="0"/>
-              <a:t> 변경된 내용을 데이터베이스에 반영</a:t>
+              <a:t>정전이나 컴퓨터의 의도치 않은 다운</a:t>
             </a:r>
             <a:endParaRPr lang="en-US" altLang="ko-KR" sz="1800" dirty="0"/>
           </a:p>
           <a:p>
             <a:pPr>
               <a:lnSpc>
-                <a:spcPct val="100000"/>
-              </a:lnSpc>
-            </a:pPr>
-            <a:r>
-              <a:rPr lang="en-US" altLang="ko-KR" sz="1800" b="1" dirty="0" smtClean="0"/>
-              <a:t>UNDO</a:t>
-            </a:r>
+                <a:spcPct val="150000"/>
+              </a:lnSpc>
+            </a:pPr>
             <a:endParaRPr lang="en-US" altLang="ko-KR" sz="1800" dirty="0" smtClean="0"/>
           </a:p>
           <a:p>
-            <a:pPr marL="685800" lvl="2">
-              <a:lnSpc>
-                <a:spcPct val="100000"/>
-              </a:lnSpc>
-              <a:spcBef>
-                <a:spcPts val="1000"/>
-              </a:spcBef>
-            </a:pPr>
-            <a:r>
-              <a:rPr lang="ko-KR" altLang="en-US" sz="1800" dirty="0" smtClean="0"/>
-              <a:t>트랜잭션이 수행되는 도중 오류가 발생하거나 비정상적으로 종료되는 경우 트랜잭션이 시작된 시점으로 되돌아 가는 과정</a:t>
-            </a:r>
-            <a:endParaRPr lang="en-US" altLang="ko-KR" sz="1400" dirty="0"/>
-          </a:p>
-          <a:p>
-            <a:pPr marL="0" lvl="1" indent="0">
-              <a:lnSpc>
-                <a:spcPct val="150000"/>
-              </a:lnSpc>
-              <a:spcBef>
-                <a:spcPts val="1000"/>
-              </a:spcBef>
-              <a:buNone/>
-            </a:pPr>
-            <a:r>
-              <a:rPr lang="en-US" altLang="ko-KR" sz="1800" dirty="0" smtClean="0"/>
-              <a:t>	▶ COMMIT</a:t>
-            </a:r>
-            <a:r>
-              <a:rPr lang="ko-KR" altLang="en-US" sz="1800" dirty="0" smtClean="0"/>
-              <a:t>과 </a:t>
-            </a:r>
-            <a:r>
-              <a:rPr lang="en-US" altLang="ko-KR" sz="1800" dirty="0" smtClean="0"/>
-              <a:t>ROLLBACK</a:t>
-            </a:r>
-            <a:r>
-              <a:rPr lang="ko-KR" altLang="en-US" sz="1800" dirty="0" smtClean="0"/>
-              <a:t>은 </a:t>
-            </a:r>
-            <a:r>
-              <a:rPr lang="en-US" altLang="ko-KR" sz="1800" dirty="0" smtClean="0"/>
-              <a:t>‘</a:t>
-            </a:r>
-            <a:r>
-              <a:rPr lang="ko-KR" altLang="en-US" sz="1800" dirty="0" smtClean="0"/>
-              <a:t>저장해라</a:t>
-            </a:r>
-            <a:r>
-              <a:rPr lang="en-US" altLang="ko-KR" sz="1800" dirty="0" smtClean="0"/>
-              <a:t>‘ ‘</a:t>
-            </a:r>
-            <a:r>
-              <a:rPr lang="ko-KR" altLang="en-US" sz="1800" dirty="0" smtClean="0"/>
-              <a:t>취소해라</a:t>
-            </a:r>
-            <a:r>
-              <a:rPr lang="en-US" altLang="ko-KR" sz="1800" dirty="0" smtClean="0"/>
-              <a:t>’ </a:t>
-            </a:r>
-            <a:r>
-              <a:rPr lang="ko-KR" altLang="en-US" sz="1800" dirty="0" smtClean="0"/>
-              <a:t>와 같은 명령어</a:t>
-            </a:r>
+            <a:pPr>
+              <a:lnSpc>
+                <a:spcPct val="150000"/>
+              </a:lnSpc>
+            </a:pPr>
             <a:endParaRPr lang="en-US" altLang="ko-KR" sz="1800" dirty="0" smtClean="0"/>
-          </a:p>
-          <a:p>
-            <a:pPr marL="0" lvl="1" indent="0">
-              <a:lnSpc>
-                <a:spcPct val="150000"/>
-              </a:lnSpc>
-              <a:spcBef>
-                <a:spcPts val="1000"/>
-              </a:spcBef>
-              <a:buNone/>
-            </a:pPr>
-            <a:r>
-              <a:rPr lang="en-US" altLang="ko-KR" sz="1800" dirty="0" smtClean="0"/>
-              <a:t>	▶ REDO</a:t>
-            </a:r>
-            <a:r>
-              <a:rPr lang="ko-KR" altLang="en-US" sz="1800" dirty="0" smtClean="0"/>
-              <a:t>와 </a:t>
-            </a:r>
-            <a:r>
-              <a:rPr lang="en-US" altLang="ko-KR" sz="1800" dirty="0" smtClean="0"/>
-              <a:t>UNDO</a:t>
-            </a:r>
-            <a:r>
-              <a:rPr lang="ko-KR" altLang="en-US" sz="1800" dirty="0" smtClean="0"/>
-              <a:t>는 </a:t>
-            </a:r>
-            <a:r>
-              <a:rPr lang="en-US" altLang="ko-KR" sz="1800" dirty="0" smtClean="0"/>
-              <a:t>COMMIT</a:t>
-            </a:r>
-            <a:r>
-              <a:rPr lang="ko-KR" altLang="en-US" sz="1800" dirty="0" smtClean="0"/>
-              <a:t>과 </a:t>
-            </a:r>
-            <a:r>
-              <a:rPr lang="en-US" altLang="ko-KR" sz="1800" dirty="0" smtClean="0"/>
-              <a:t>ROLLBACK</a:t>
-            </a:r>
-            <a:r>
-              <a:rPr lang="ko-KR" altLang="en-US" sz="1800" dirty="0" smtClean="0"/>
-              <a:t>의 과정을 말한다</a:t>
-            </a:r>
-            <a:r>
-              <a:rPr lang="en-US" altLang="ko-KR" sz="1800" dirty="0" smtClean="0"/>
-              <a:t>. </a:t>
-            </a:r>
           </a:p>
         </p:txBody>
       </p:sp>
     </p:spTree>
     <p:extLst>
       <p:ext uri="{BB962C8B-B14F-4D97-AF65-F5344CB8AC3E}">
-        <p14:creationId xmlns:p14="http://schemas.microsoft.com/office/powerpoint/2010/main" val="4272424388"/>
+        <p14:creationId xmlns:p14="http://schemas.microsoft.com/office/powerpoint/2010/main" val="1284981441"/>
       </p:ext>
     </p:extLst>
   </p:cSld>
   <p:clrMapOvr>
     <a:masterClrMapping/>
   </p:clrMapOvr>
-  <p:timing>
-    <p:tnLst>
-      <p:par>
-        <p:cTn id="1" dur="indefinite" restart="never" nodeType="tmRoot"/>
-      </p:par>
-    </p:tnLst>
-  </p:timing>
 </p:sld>
 </file>
 
@@ -3363,8 +3401,8 @@
           <a:lstStyle/>
           <a:p>
             <a:r>
-              <a:rPr lang="ko-KR" altLang="en-US" b="1" dirty="0" smtClean="0"/>
-              <a:t>회복기법</a:t>
+              <a:rPr lang="en-US" altLang="ko-KR" b="1" dirty="0" smtClean="0"/>
+              <a:t>Transaction</a:t>
             </a:r>
             <a:endParaRPr lang="ko-KR" altLang="en-US" b="1" dirty="0"/>
           </a:p>
@@ -3372,7 +3410,7 @@
       </p:sp>
       <p:sp>
         <p:nvSpPr>
-          <p:cNvPr id="5" name="내용 개체 틀 2"/>
+          <p:cNvPr id="3" name="내용 개체 틀 2"/>
           <p:cNvSpPr>
             <a:spLocks noGrp="1"/>
           </p:cNvSpPr>
@@ -3394,113 +3432,237 @@
           <a:p>
             <a:pPr>
               <a:lnSpc>
-                <a:spcPct val="200000"/>
-              </a:lnSpc>
-            </a:pPr>
-            <a:r>
-              <a:rPr lang="ko-KR" altLang="en-US" sz="1800" b="1" dirty="0" smtClean="0"/>
-              <a:t>즉시갱신 기법</a:t>
-            </a:r>
-            <a:endParaRPr lang="en-US" altLang="ko-KR" sz="1800" b="1" dirty="0" smtClean="0"/>
-          </a:p>
-          <a:p>
-            <a:pPr lvl="1">
-              <a:lnSpc>
-                <a:spcPct val="200000"/>
-              </a:lnSpc>
-            </a:pPr>
-            <a:r>
-              <a:rPr lang="ko-KR" altLang="en-US" sz="1800" dirty="0" smtClean="0"/>
-              <a:t>트랜잭션이 실행</a:t>
+                <a:spcPct val="150000"/>
+              </a:lnSpc>
+            </a:pPr>
+            <a:r>
+              <a:rPr lang="ko-KR" altLang="en-US" sz="1800" b="1" dirty="0" smtClean="0">
+                <a:solidFill>
+                  <a:srgbClr val="FF0000"/>
+                </a:solidFill>
+              </a:rPr>
+              <a:t>현재 </a:t>
+            </a:r>
+            <a:r>
+              <a:rPr lang="ko-KR" altLang="en-US" sz="1800" b="1" dirty="0">
+                <a:solidFill>
+                  <a:srgbClr val="FF0000"/>
+                </a:solidFill>
+              </a:rPr>
+              <a:t>사용자</a:t>
+            </a:r>
+            <a:r>
+              <a:rPr lang="ko-KR" altLang="en-US" sz="1800" dirty="0"/>
+              <a:t>는 </a:t>
+            </a:r>
+            <a:r>
+              <a:rPr lang="en-US" altLang="ko-KR" sz="1800" dirty="0"/>
+              <a:t>SELECT</a:t>
+            </a:r>
+            <a:r>
+              <a:rPr lang="ko-KR" altLang="en-US" sz="1800" dirty="0"/>
+              <a:t>문장으로 </a:t>
+            </a:r>
+            <a:r>
+              <a:rPr lang="en-US" altLang="ko-KR" sz="1800" dirty="0"/>
+              <a:t>DML</a:t>
+            </a:r>
+            <a:r>
+              <a:rPr lang="ko-KR" altLang="en-US" sz="1800" dirty="0"/>
+              <a:t>작업의 결과를 </a:t>
+            </a:r>
+            <a:r>
+              <a:rPr lang="ko-KR" altLang="en-US" sz="1800" b="1" dirty="0">
+                <a:solidFill>
+                  <a:srgbClr val="FF0000"/>
+                </a:solidFill>
+              </a:rPr>
+              <a:t>확인할 수 </a:t>
+            </a:r>
+            <a:r>
+              <a:rPr lang="ko-KR" altLang="en-US" sz="1800" b="1" dirty="0" smtClean="0">
+                <a:solidFill>
+                  <a:srgbClr val="FF0000"/>
+                </a:solidFill>
+              </a:rPr>
+              <a:t>있음</a:t>
+            </a:r>
+            <a:endParaRPr lang="en-US" altLang="ko-KR" sz="1800" b="1" dirty="0">
+              <a:solidFill>
+                <a:srgbClr val="FF0000"/>
+              </a:solidFill>
+            </a:endParaRPr>
+          </a:p>
+          <a:p>
+            <a:pPr>
+              <a:lnSpc>
+                <a:spcPct val="150000"/>
+              </a:lnSpc>
+            </a:pPr>
+            <a:r>
+              <a:rPr lang="ko-KR" altLang="en-US" sz="1800" b="1" dirty="0" smtClean="0">
+                <a:solidFill>
+                  <a:srgbClr val="FF0000"/>
+                </a:solidFill>
+              </a:rPr>
+              <a:t>다른 </a:t>
+            </a:r>
+            <a:r>
+              <a:rPr lang="ko-KR" altLang="en-US" sz="1800" b="1" dirty="0">
+                <a:solidFill>
+                  <a:srgbClr val="FF0000"/>
+                </a:solidFill>
+              </a:rPr>
+              <a:t>사용자</a:t>
+            </a:r>
+            <a:r>
+              <a:rPr lang="ko-KR" altLang="en-US" sz="1800" dirty="0"/>
+              <a:t>는 </a:t>
+            </a:r>
+            <a:r>
+              <a:rPr lang="en-US" altLang="ko-KR" sz="1800" dirty="0"/>
+              <a:t>SELECT</a:t>
+            </a:r>
+            <a:r>
+              <a:rPr lang="ko-KR" altLang="en-US" sz="1800" dirty="0"/>
+              <a:t>문장으로 현재 사용자 사용한 </a:t>
+            </a:r>
+            <a:r>
+              <a:rPr lang="en-US" altLang="ko-KR" sz="1800" b="1" dirty="0">
+                <a:solidFill>
+                  <a:srgbClr val="FF0000"/>
+                </a:solidFill>
+              </a:rPr>
+              <a:t>DML</a:t>
+            </a:r>
+            <a:r>
+              <a:rPr lang="ko-KR" altLang="en-US" sz="1800" b="1" dirty="0">
+                <a:solidFill>
+                  <a:srgbClr val="FF0000"/>
+                </a:solidFill>
+              </a:rPr>
+              <a:t>문장의 결과를 확인할 수 </a:t>
+            </a:r>
+            <a:r>
+              <a:rPr lang="ko-KR" altLang="en-US" sz="1800" b="1" dirty="0" smtClean="0">
+                <a:solidFill>
+                  <a:srgbClr val="FF0000"/>
+                </a:solidFill>
+              </a:rPr>
+              <a:t>없음</a:t>
+            </a:r>
+            <a:endParaRPr lang="en-US" altLang="ko-KR" sz="1800" b="1" dirty="0">
+              <a:solidFill>
+                <a:srgbClr val="FF0000"/>
+              </a:solidFill>
+            </a:endParaRPr>
+          </a:p>
+          <a:p>
+            <a:pPr>
+              <a:lnSpc>
+                <a:spcPct val="150000"/>
+              </a:lnSpc>
+            </a:pPr>
+            <a:r>
+              <a:rPr lang="ko-KR" altLang="en-US" sz="1800" dirty="0" smtClean="0"/>
+              <a:t>변경할 </a:t>
+            </a:r>
+            <a:r>
+              <a:rPr lang="ko-KR" altLang="en-US" sz="1800" dirty="0"/>
+              <a:t>행은 </a:t>
+            </a:r>
+            <a:r>
+              <a:rPr lang="en-US" altLang="ko-KR" sz="1800" b="1" dirty="0">
+                <a:solidFill>
+                  <a:srgbClr val="FF0000"/>
+                </a:solidFill>
+              </a:rPr>
+              <a:t>LOCK</a:t>
+            </a:r>
+            <a:r>
+              <a:rPr lang="ko-KR" altLang="en-US" sz="1800" b="1" dirty="0">
+                <a:solidFill>
+                  <a:srgbClr val="FF0000"/>
+                </a:solidFill>
+              </a:rPr>
+              <a:t>이 </a:t>
+            </a:r>
+            <a:r>
+              <a:rPr lang="ko-KR" altLang="en-US" sz="1800" b="1" dirty="0" smtClean="0">
+                <a:solidFill>
+                  <a:srgbClr val="FF0000"/>
+                </a:solidFill>
+              </a:rPr>
+              <a:t>설정</a:t>
+            </a:r>
+            <a:r>
+              <a:rPr lang="ko-KR" altLang="en-US" sz="1800" dirty="0" smtClean="0"/>
+              <a:t>되어서 </a:t>
+            </a:r>
+            <a:r>
+              <a:rPr lang="ko-KR" altLang="en-US" sz="1800" dirty="0"/>
+              <a:t>다른 사용자가 변경 할 수 </a:t>
+            </a:r>
+            <a:r>
+              <a:rPr lang="ko-KR" altLang="en-US" sz="1800" dirty="0" smtClean="0"/>
+              <a:t>없음 </a:t>
             </a:r>
             <a:r>
               <a:rPr lang="en-US" altLang="ko-KR" sz="1800" dirty="0" smtClean="0"/>
               <a:t>(</a:t>
             </a:r>
             <a:r>
-              <a:rPr lang="ko-KR" altLang="en-US" sz="1800" dirty="0" smtClean="0"/>
-              <a:t>활동</a:t>
+              <a:rPr lang="ko-KR" altLang="en-US" sz="1800" b="1" dirty="0" smtClean="0"/>
+              <a:t>고립성</a:t>
+            </a:r>
+            <a:r>
+              <a:rPr lang="ko-KR" altLang="en-US" sz="1800" dirty="0" smtClean="0"/>
+              <a:t>과 연관</a:t>
             </a:r>
             <a:r>
               <a:rPr lang="en-US" altLang="ko-KR" sz="1800" dirty="0" smtClean="0"/>
-              <a:t>) </a:t>
-            </a:r>
-            <a:r>
-              <a:rPr lang="ko-KR" altLang="en-US" sz="1800" dirty="0" smtClean="0"/>
-              <a:t>상태에서 변경되는 내용을 바로 데이터베이스에 적용</a:t>
-            </a:r>
-            <a:endParaRPr lang="en-US" altLang="ko-KR" sz="1800" dirty="0" smtClean="0"/>
+              <a:t>)</a:t>
+            </a:r>
+          </a:p>
+          <a:p>
+            <a:pPr marL="457200" lvl="1" indent="0">
+              <a:lnSpc>
+                <a:spcPct val="150000"/>
+              </a:lnSpc>
+              <a:buNone/>
+            </a:pPr>
+            <a:r>
+              <a:rPr lang="en-US" altLang="ko-KR" sz="1400" dirty="0" smtClean="0"/>
+              <a:t>『</a:t>
+            </a:r>
+            <a:r>
+              <a:rPr lang="ko-KR" altLang="en-US" sz="1400" dirty="0" smtClean="0"/>
+              <a:t>예시 </a:t>
+            </a:r>
+            <a:r>
+              <a:rPr lang="en-US" altLang="ko-KR" sz="1400" dirty="0" smtClean="0"/>
+              <a:t>– </a:t>
+            </a:r>
+            <a:r>
+              <a:rPr lang="ko-KR" altLang="en-US" sz="1400" dirty="0" smtClean="0"/>
+              <a:t>극장 예매</a:t>
+            </a:r>
+            <a:r>
+              <a:rPr lang="en-US" altLang="ko-KR" sz="1400" dirty="0" smtClean="0"/>
+              <a:t>, </a:t>
+            </a:r>
+            <a:r>
+              <a:rPr lang="ko-KR" altLang="en-US" sz="1400" dirty="0" smtClean="0"/>
+              <a:t>도서대여 </a:t>
+            </a:r>
+            <a:r>
+              <a:rPr lang="en-US" altLang="ko-KR" sz="1400" dirty="0" smtClean="0"/>
+              <a:t>』</a:t>
+            </a:r>
+            <a:endParaRPr lang="en-US" altLang="ko-KR" sz="1400" dirty="0"/>
           </a:p>
           <a:p>
             <a:pPr lvl="1">
-              <a:lnSpc>
-                <a:spcPct val="200000"/>
-              </a:lnSpc>
-            </a:pPr>
-            <a:r>
-              <a:rPr lang="ko-KR" altLang="en-US" sz="1800" dirty="0" smtClean="0"/>
-              <a:t>변경되는 모든 내용은 로그</a:t>
-            </a:r>
-            <a:r>
-              <a:rPr lang="en-US" altLang="ko-KR" sz="1800" dirty="0" smtClean="0"/>
-              <a:t>(Log)</a:t>
-            </a:r>
-            <a:r>
-              <a:rPr lang="ko-KR" altLang="en-US" sz="1800" dirty="0" smtClean="0"/>
-              <a:t>에 기록하여 장애 발생 시 로그</a:t>
-            </a:r>
-            <a:r>
-              <a:rPr lang="en-US" altLang="ko-KR" sz="1800" dirty="0" smtClean="0"/>
-              <a:t>(Log)</a:t>
-            </a:r>
-            <a:r>
-              <a:rPr lang="ko-KR" altLang="en-US" sz="1800" dirty="0" smtClean="0"/>
-              <a:t>의 내용을 토대로 회복</a:t>
-            </a:r>
-            <a:endParaRPr lang="en-US" altLang="ko-KR" sz="1800" dirty="0" smtClean="0"/>
-          </a:p>
-          <a:p>
-            <a:pPr>
-              <a:lnSpc>
-                <a:spcPct val="200000"/>
-              </a:lnSpc>
-            </a:pPr>
-            <a:r>
-              <a:rPr lang="ko-KR" altLang="en-US" sz="1800" b="1" dirty="0" smtClean="0"/>
-              <a:t>지연 갱신 기법</a:t>
-            </a:r>
-            <a:endParaRPr lang="en-US" altLang="ko-KR" sz="1800" b="1" dirty="0" smtClean="0"/>
-          </a:p>
-          <a:p>
-            <a:pPr lvl="1">
-              <a:lnSpc>
-                <a:spcPct val="200000"/>
-              </a:lnSpc>
-            </a:pPr>
-            <a:r>
-              <a:rPr lang="ko-KR" altLang="en-US" sz="1800" dirty="0" smtClean="0"/>
-              <a:t>트랜잭션이 수행되어 부분 완료 될 때까지 데이터베이스에 적용하지 않고 지연시킨 후 부분 완료가 되면 로그</a:t>
-            </a:r>
-            <a:r>
-              <a:rPr lang="en-US" altLang="ko-KR" sz="1800" dirty="0" smtClean="0"/>
-              <a:t>(Log)</a:t>
-            </a:r>
-            <a:r>
-              <a:rPr lang="ko-KR" altLang="en-US" sz="1800" dirty="0" smtClean="0"/>
-              <a:t>의 내용을 토대로 데이터베이스에 적용</a:t>
-            </a:r>
-            <a:endParaRPr lang="en-US" altLang="ko-KR" sz="1800" b="1" dirty="0" smtClean="0"/>
-          </a:p>
-          <a:p>
-            <a:pPr>
-              <a:lnSpc>
-                <a:spcPct val="150000"/>
-              </a:lnSpc>
-            </a:pPr>
-            <a:endParaRPr lang="en-US" altLang="ko-KR" sz="1800" dirty="0" smtClean="0"/>
-          </a:p>
-          <a:p>
-            <a:pPr>
               <a:lnSpc>
                 <a:spcPct val="150000"/>
               </a:lnSpc>
@@ -3512,7 +3674,7 @@
     </p:spTree>
     <p:extLst>
       <p:ext uri="{BB962C8B-B14F-4D97-AF65-F5344CB8AC3E}">
-        <p14:creationId xmlns:p14="http://schemas.microsoft.com/office/powerpoint/2010/main" val="3064529855"/>
+        <p14:creationId xmlns:p14="http://schemas.microsoft.com/office/powerpoint/2010/main" val="1691629090"/>
       </p:ext>
     </p:extLst>
   </p:cSld>
@@ -3569,8 +3731,8 @@
           <a:lstStyle/>
           <a:p>
             <a:r>
-              <a:rPr lang="ko-KR" altLang="en-US" b="1" dirty="0" smtClean="0"/>
-              <a:t>회복기법</a:t>
+              <a:rPr lang="en-US" altLang="ko-KR" b="1" dirty="0" smtClean="0"/>
+              <a:t>Transaction (SAVEPOINT)</a:t>
             </a:r>
             <a:endParaRPr lang="ko-KR" altLang="en-US" b="1" dirty="0"/>
           </a:p>
@@ -3578,7 +3740,7 @@
       </p:sp>
       <p:sp>
         <p:nvSpPr>
-          <p:cNvPr id="5" name="내용 개체 틀 2"/>
+          <p:cNvPr id="3" name="내용 개체 틀 2"/>
           <p:cNvSpPr>
             <a:spLocks noGrp="1"/>
           </p:cNvSpPr>
@@ -3604,15 +3766,239 @@
               </a:lnSpc>
             </a:pPr>
             <a:r>
+              <a:rPr lang="ko-KR" altLang="en-US" sz="1800" dirty="0" smtClean="0"/>
+              <a:t>큰 트랜잭션을 </a:t>
+            </a:r>
+            <a:r>
               <a:rPr lang="ko-KR" altLang="en-US" sz="1800" b="1" dirty="0" smtClean="0"/>
-              <a:t>검사 시점 기법</a:t>
+              <a:t>작은 단위로 분할하여 실행</a:t>
+            </a:r>
+            <a:r>
+              <a:rPr lang="ko-KR" altLang="en-US" sz="1800" dirty="0" smtClean="0"/>
+              <a:t>하고 되돌릴 수 있게 하는 명령어</a:t>
+            </a:r>
+            <a:endParaRPr lang="en-US" altLang="ko-KR" sz="1800" dirty="0" smtClean="0"/>
+          </a:p>
+          <a:p>
+            <a:pPr>
+              <a:lnSpc>
+                <a:spcPct val="150000"/>
+              </a:lnSpc>
+            </a:pPr>
+            <a:r>
+              <a:rPr lang="en-US" altLang="ko-KR" sz="1800" dirty="0" smtClean="0"/>
+              <a:t>SAVEPOINT </a:t>
+            </a:r>
+            <a:r>
+              <a:rPr lang="ko-KR" altLang="en-US" sz="1800" b="1" dirty="0" smtClean="0">
+                <a:solidFill>
+                  <a:srgbClr val="FF0000"/>
+                </a:solidFill>
+              </a:rPr>
+              <a:t>세이브포인트이름</a:t>
+            </a:r>
+            <a:endParaRPr lang="en-US" altLang="ko-KR" sz="1800" b="1" dirty="0" smtClean="0">
+              <a:solidFill>
+                <a:srgbClr val="FF0000"/>
+              </a:solidFill>
+            </a:endParaRPr>
+          </a:p>
+          <a:p>
+            <a:pPr lvl="1">
+              <a:lnSpc>
+                <a:spcPct val="150000"/>
+              </a:lnSpc>
+            </a:pPr>
+            <a:r>
+              <a:rPr lang="ko-KR" altLang="en-US" sz="1800" dirty="0" smtClean="0"/>
+              <a:t>같은 이름의 세이브포인트를 생성하면 그 전에 있던 세이브포인트는 지워짐</a:t>
+            </a:r>
+            <a:endParaRPr lang="en-US" altLang="ko-KR" sz="1800" dirty="0" smtClean="0"/>
+          </a:p>
+          <a:p>
+            <a:pPr>
+              <a:lnSpc>
+                <a:spcPct val="150000"/>
+              </a:lnSpc>
+            </a:pPr>
+            <a:r>
+              <a:rPr lang="en-US" altLang="ko-KR" sz="1800" dirty="0" smtClean="0"/>
+              <a:t>ROLLBACK TO </a:t>
+            </a:r>
+            <a:r>
+              <a:rPr lang="ko-KR" altLang="en-US" sz="1800" b="1" dirty="0" smtClean="0">
+                <a:solidFill>
+                  <a:srgbClr val="FF0000"/>
+                </a:solidFill>
+              </a:rPr>
+              <a:t>세이브포인트이름</a:t>
+            </a:r>
+            <a:endParaRPr lang="en-US" altLang="ko-KR" sz="1800" b="1" dirty="0" smtClean="0">
+              <a:solidFill>
+                <a:srgbClr val="FF0000"/>
+              </a:solidFill>
+            </a:endParaRPr>
+          </a:p>
+          <a:p>
+            <a:pPr lvl="1">
+              <a:lnSpc>
+                <a:spcPct val="150000"/>
+              </a:lnSpc>
+            </a:pPr>
+            <a:r>
+              <a:rPr lang="ko-KR" altLang="en-US" sz="1800" dirty="0" smtClean="0"/>
+              <a:t>해당 </a:t>
+            </a:r>
+            <a:r>
+              <a:rPr lang="ko-KR" altLang="en-US" sz="1800" b="1" dirty="0" smtClean="0"/>
+              <a:t>세이브포인트 시점으로 롤백</a:t>
             </a:r>
             <a:endParaRPr lang="en-US" altLang="ko-KR" sz="1800" b="1" dirty="0" smtClean="0"/>
           </a:p>
           <a:p>
+            <a:pPr lvl="1">
+              <a:lnSpc>
+                <a:spcPct val="150000"/>
+              </a:lnSpc>
+            </a:pPr>
+            <a:r>
+              <a:rPr lang="ko-KR" altLang="en-US" sz="1800" b="1" dirty="0" smtClean="0"/>
+              <a:t>역순으로 롤백은 가능</a:t>
+            </a:r>
+            <a:r>
+              <a:rPr lang="ko-KR" altLang="en-US" sz="1800" dirty="0" smtClean="0"/>
+              <a:t>하나 그 반대로는 롤백이 불가능</a:t>
+            </a:r>
+            <a:endParaRPr lang="en-US" altLang="ko-KR" sz="1800" dirty="0" smtClean="0"/>
+          </a:p>
+        </p:txBody>
+      </p:sp>
+    </p:spTree>
+    <p:extLst>
+      <p:ext uri="{BB962C8B-B14F-4D97-AF65-F5344CB8AC3E}">
+        <p14:creationId xmlns:p14="http://schemas.microsoft.com/office/powerpoint/2010/main" val="3824218265"/>
+      </p:ext>
+    </p:extLst>
+  </p:cSld>
+  <p:clrMapOvr>
+    <a:masterClrMapping/>
+  </p:clrMapOvr>
+  <p:timing>
+    <p:tnLst>
+      <p:par>
+        <p:cTn id="1" dur="indefinite" restart="never" nodeType="tmRoot"/>
+      </p:par>
+    </p:tnLst>
+  </p:timing>
+</p:sld>
+</file>
+
+<file path=ppt/slides/slide13.xml><?xml version="1.0" encoding="utf-8"?>
+<p:sld xmlns:a="http://schemas.openxmlformats.org/drawingml/2006/main" xmlns:r="http://schemas.openxmlformats.org/officeDocument/2006/relationships" xmlns:p="http://schemas.openxmlformats.org/presentationml/2006/main">
+  <p:cSld>
+    <p:spTree>
+      <p:nvGrpSpPr>
+        <p:cNvPr id="1" name=""/>
+        <p:cNvGrpSpPr/>
+        <p:nvPr/>
+      </p:nvGrpSpPr>
+      <p:grpSpPr>
+        <a:xfrm>
+          <a:off x="0" y="0"/>
+          <a:ext cx="0" cy="0"/>
+          <a:chOff x="0" y="0"/>
+          <a:chExt cx="0" cy="0"/>
+        </a:xfrm>
+      </p:grpSpPr>
+      <p:sp>
+        <p:nvSpPr>
+          <p:cNvPr id="2" name="제목 1"/>
+          <p:cNvSpPr>
+            <a:spLocks noGrp="1"/>
+          </p:cNvSpPr>
+          <p:nvPr>
+            <p:ph type="title"/>
+          </p:nvPr>
+        </p:nvSpPr>
+        <p:spPr>
+          <a:xfrm>
+            <a:off x="838200" y="365125"/>
+            <a:ext cx="10515600" cy="671195"/>
+          </a:xfrm>
+        </p:spPr>
+        <p:txBody>
+          <a:bodyPr>
+            <a:normAutofit fontScale="90000"/>
+          </a:bodyPr>
+          <a:lstStyle/>
+          <a:p>
+            <a:r>
+              <a:rPr lang="ko-KR" altLang="en-US" b="1" dirty="0" smtClean="0"/>
+              <a:t>회복기법</a:t>
+            </a:r>
+            <a:endParaRPr lang="ko-KR" altLang="en-US" b="1" dirty="0"/>
+          </a:p>
+        </p:txBody>
+      </p:sp>
+      <p:sp>
+        <p:nvSpPr>
+          <p:cNvPr id="5" name="내용 개체 틀 2"/>
+          <p:cNvSpPr>
+            <a:spLocks noGrp="1"/>
+          </p:cNvSpPr>
+          <p:nvPr>
+            <p:ph idx="1"/>
+          </p:nvPr>
+        </p:nvSpPr>
+        <p:spPr>
+          <a:xfrm>
+            <a:off x="838200" y="1267968"/>
+            <a:ext cx="10515600" cy="4908995"/>
+          </a:xfrm>
+        </p:spPr>
+        <p:txBody>
+          <a:bodyPr>
+            <a:noAutofit/>
+          </a:bodyPr>
+          <a:lstStyle/>
+          <a:p>
+            <a:pPr>
+              <a:lnSpc>
+                <a:spcPct val="150000"/>
+              </a:lnSpc>
+            </a:pPr>
+            <a:r>
+              <a:rPr lang="en-US" altLang="ko-KR" sz="1800" b="1" dirty="0"/>
+              <a:t>Log</a:t>
+            </a:r>
+          </a:p>
+          <a:p>
+            <a:pPr lvl="1">
+              <a:lnSpc>
+                <a:spcPct val="150000"/>
+              </a:lnSpc>
+            </a:pPr>
+            <a:r>
+              <a:rPr lang="ko-KR" altLang="en-US" sz="1800" dirty="0"/>
+              <a:t>트랜잭션이 수행되어 변경되는 데이터베이스의 상황 정보를 기록한 것</a:t>
+            </a:r>
+            <a:endParaRPr lang="en-US" altLang="ko-KR" sz="1800" dirty="0"/>
+          </a:p>
+          <a:p>
+            <a:pPr>
+              <a:lnSpc>
+                <a:spcPct val="100000"/>
+              </a:lnSpc>
+            </a:pPr>
+            <a:r>
+              <a:rPr lang="en-US" altLang="ko-KR" sz="1800" b="1" dirty="0" smtClean="0"/>
+              <a:t>REDO</a:t>
+            </a:r>
+          </a:p>
+          <a:p>
             <a:pPr marL="685800" lvl="2">
               <a:lnSpc>
-                <a:spcPct val="150000"/>
+                <a:spcPct val="100000"/>
               </a:lnSpc>
               <a:spcBef>
                 <a:spcPts val="1000"/>
@@ -3620,46 +4006,22 @@
             </a:pPr>
             <a:r>
               <a:rPr lang="ko-KR" altLang="en-US" sz="1800" dirty="0" smtClean="0"/>
-              <a:t>트랜잭션이 실행되는 중간에 검사 시점</a:t>
+              <a:t>트랜잭션이 수행되어 </a:t>
             </a:r>
             <a:r>
               <a:rPr lang="en-US" altLang="ko-KR" sz="1800" dirty="0" smtClean="0"/>
-              <a:t>(Check Point)</a:t>
-            </a:r>
-            <a:r>
-              <a:rPr lang="ko-KR" altLang="en-US" sz="1800" dirty="0" smtClean="0"/>
-              <a:t>을 지정하여 검사 시점까지 수행 후 완료된 내용을 데이터베이스에 적용하는 기법</a:t>
-            </a:r>
-            <a:endParaRPr lang="en-US" altLang="ko-KR" sz="1800" dirty="0"/>
-          </a:p>
-          <a:p>
-            <a:pPr>
-              <a:lnSpc>
-                <a:spcPct val="150000"/>
-              </a:lnSpc>
-            </a:pPr>
-            <a:r>
-              <a:rPr lang="ko-KR" altLang="en-US" sz="1800" b="1" dirty="0" smtClean="0"/>
-              <a:t>그림자 </a:t>
-            </a:r>
-            <a:r>
-              <a:rPr lang="ko-KR" altLang="en-US" sz="1800" b="1" dirty="0" err="1" smtClean="0"/>
-              <a:t>페이징</a:t>
-            </a:r>
-            <a:r>
-              <a:rPr lang="en-US" altLang="ko-KR" sz="1800" b="1" dirty="0" smtClean="0"/>
-              <a:t>(Shadow Paging) </a:t>
-            </a:r>
-            <a:r>
-              <a:rPr lang="ko-KR" altLang="en-US" sz="1800" b="1" dirty="0" smtClean="0"/>
-              <a:t>기법</a:t>
+              <a:t>COMMIT</a:t>
+            </a:r>
+            <a:r>
+              <a:rPr lang="ko-KR" altLang="en-US" sz="1800" dirty="0" smtClean="0"/>
+              <a:t>이 되면 변경된 내용을 데이터베이스에 반영</a:t>
             </a:r>
             <a:endParaRPr lang="en-US" altLang="ko-KR" sz="1800" dirty="0" smtClean="0"/>
           </a:p>
           <a:p>
             <a:pPr marL="685800" lvl="2">
               <a:lnSpc>
-                <a:spcPct val="150000"/>
+                <a:spcPct val="100000"/>
               </a:lnSpc>
               <a:spcBef>
                 <a:spcPts val="1000"/>
@@ -3675,22 +4037,34 @@
             </a:r>
             <a:r>
               <a:rPr lang="ko-KR" altLang="en-US" sz="1800" dirty="0" smtClean="0"/>
-              <a:t>를 사용하지 않고</a:t>
-            </a:r>
-            <a:r>
-              <a:rPr lang="en-US" altLang="ko-KR" sz="1800" dirty="0" smtClean="0"/>
-              <a:t>, </a:t>
-            </a:r>
-            <a:r>
-              <a:rPr lang="ko-KR" altLang="en-US" sz="1800" dirty="0" smtClean="0"/>
-              <a:t>데이터베이스를 동일한 크기의 단위인 페이지로 나누어 각 페이지 마다 복사하여 그림자 페이지를 보관하는 기법</a:t>
-            </a:r>
-            <a:endParaRPr lang="en-US" altLang="ko-KR" sz="1800" b="1" dirty="0" smtClean="0"/>
+              <a:t>의 내용을 토대로 </a:t>
+            </a:r>
+            <a:r>
+              <a:rPr lang="ko-KR" altLang="en-US" sz="1800" dirty="0" err="1" smtClean="0"/>
+              <a:t>재수행하며</a:t>
+            </a:r>
+            <a:r>
+              <a:rPr lang="ko-KR" altLang="en-US" sz="1800" dirty="0" smtClean="0"/>
+              <a:t> 변경된 내용을 데이터베이스에 반영</a:t>
+            </a:r>
+            <a:endParaRPr lang="en-US" altLang="ko-KR" sz="1800" dirty="0"/>
+          </a:p>
+          <a:p>
+            <a:pPr>
+              <a:lnSpc>
+                <a:spcPct val="100000"/>
+              </a:lnSpc>
+            </a:pPr>
+            <a:r>
+              <a:rPr lang="en-US" altLang="ko-KR" sz="1800" b="1" dirty="0" smtClean="0"/>
+              <a:t>UNDO</a:t>
+            </a:r>
+            <a:endParaRPr lang="en-US" altLang="ko-KR" sz="1800" dirty="0" smtClean="0"/>
           </a:p>
           <a:p>
             <a:pPr marL="685800" lvl="2">
               <a:lnSpc>
-                <a:spcPct val="150000"/>
+                <a:spcPct val="100000"/>
               </a:lnSpc>
               <a:spcBef>
                 <a:spcPts val="1000"/>
@@ -3698,7 +4072,673 @@
             </a:pPr>
             <a:r>
               <a:rPr lang="ko-KR" altLang="en-US" sz="1800" dirty="0" smtClean="0"/>
-              <a:t>데이터베이스의 변경되는 내용은 원본 페이지에만 적용하고</a:t>
+              <a:t>트랜잭션이 수행되는 도중 오류가 발생하거나 비정상적으로 종료되는 경우 트랜잭션이 시작된 시점으로 되돌아 가는 과정</a:t>
+            </a:r>
+            <a:endParaRPr lang="en-US" altLang="ko-KR" sz="1400" dirty="0"/>
+          </a:p>
+          <a:p>
+            <a:pPr marL="0" lvl="1" indent="0">
+              <a:lnSpc>
+                <a:spcPct val="150000"/>
+              </a:lnSpc>
+              <a:spcBef>
+                <a:spcPts val="1000"/>
+              </a:spcBef>
+              <a:buNone/>
+            </a:pPr>
+            <a:r>
+              <a:rPr lang="en-US" altLang="ko-KR" sz="1800" dirty="0" smtClean="0"/>
+              <a:t>	▶ COMMIT</a:t>
+            </a:r>
+            <a:r>
+              <a:rPr lang="ko-KR" altLang="en-US" sz="1800" dirty="0" smtClean="0"/>
+              <a:t>과 </a:t>
+            </a:r>
+            <a:r>
+              <a:rPr lang="en-US" altLang="ko-KR" sz="1800" dirty="0" smtClean="0"/>
+              <a:t>ROLLBACK</a:t>
+            </a:r>
+            <a:r>
+              <a:rPr lang="ko-KR" altLang="en-US" sz="1800" dirty="0" smtClean="0"/>
+              <a:t>은 </a:t>
+            </a:r>
+            <a:r>
+              <a:rPr lang="en-US" altLang="ko-KR" sz="1800" dirty="0" smtClean="0"/>
+              <a:t>‘</a:t>
+            </a:r>
+            <a:r>
+              <a:rPr lang="ko-KR" altLang="en-US" sz="1800" dirty="0" smtClean="0"/>
+              <a:t>저장해라</a:t>
+            </a:r>
+            <a:r>
+              <a:rPr lang="en-US" altLang="ko-KR" sz="1800" dirty="0" smtClean="0"/>
+              <a:t>‘ ‘</a:t>
+            </a:r>
+            <a:r>
+              <a:rPr lang="ko-KR" altLang="en-US" sz="1800" dirty="0" smtClean="0"/>
+              <a:t>취소해라</a:t>
+            </a:r>
+            <a:r>
+              <a:rPr lang="en-US" altLang="ko-KR" sz="1800" dirty="0" smtClean="0"/>
+              <a:t>’ </a:t>
+            </a:r>
+            <a:r>
+              <a:rPr lang="ko-KR" altLang="en-US" sz="1800" dirty="0" smtClean="0"/>
+              <a:t>와 같은 명령어</a:t>
+            </a:r>
+            <a:endParaRPr lang="en-US" altLang="ko-KR" sz="1800" dirty="0" smtClean="0"/>
+          </a:p>
+          <a:p>
+            <a:pPr marL="0" lvl="1" indent="0">
+              <a:lnSpc>
+                <a:spcPct val="150000"/>
+              </a:lnSpc>
+              <a:spcBef>
+                <a:spcPts val="1000"/>
+              </a:spcBef>
+              <a:buNone/>
+            </a:pPr>
+            <a:r>
+              <a:rPr lang="en-US" altLang="ko-KR" sz="1800" dirty="0" smtClean="0"/>
+              <a:t>	▶ REDO</a:t>
+            </a:r>
+            <a:r>
+              <a:rPr lang="ko-KR" altLang="en-US" sz="1800" dirty="0" smtClean="0"/>
+              <a:t>와 </a:t>
+            </a:r>
+            <a:r>
+              <a:rPr lang="en-US" altLang="ko-KR" sz="1800" dirty="0" smtClean="0"/>
+              <a:t>UNDO</a:t>
+            </a:r>
+            <a:r>
+              <a:rPr lang="ko-KR" altLang="en-US" sz="1800" dirty="0" smtClean="0"/>
+              <a:t>는 </a:t>
+            </a:r>
+            <a:r>
+              <a:rPr lang="en-US" altLang="ko-KR" sz="1800" dirty="0" smtClean="0"/>
+              <a:t>COMMIT</a:t>
+            </a:r>
+            <a:r>
+              <a:rPr lang="ko-KR" altLang="en-US" sz="1800" dirty="0" smtClean="0"/>
+              <a:t>과 </a:t>
+            </a:r>
+            <a:r>
+              <a:rPr lang="en-US" altLang="ko-KR" sz="1800" dirty="0" smtClean="0"/>
+              <a:t>ROLLBACK</a:t>
+            </a:r>
+            <a:r>
+              <a:rPr lang="ko-KR" altLang="en-US" sz="1800" dirty="0" smtClean="0"/>
+              <a:t>의 과정을 말한다</a:t>
+            </a:r>
+            <a:r>
+              <a:rPr lang="en-US" altLang="ko-KR" sz="1800" dirty="0" smtClean="0"/>
+              <a:t>. </a:t>
+            </a:r>
+          </a:p>
+        </p:txBody>
+      </p:sp>
+    </p:spTree>
+    <p:extLst>
+      <p:ext uri="{BB962C8B-B14F-4D97-AF65-F5344CB8AC3E}">
+        <p14:creationId xmlns:p14="http://schemas.microsoft.com/office/powerpoint/2010/main" val="4272424388"/>
+      </p:ext>
+    </p:extLst>
+  </p:cSld>
+  <p:clrMapOvr>
+    <a:masterClrMapping/>
+  </p:clrMapOvr>
+  <p:timing>
+    <p:tnLst>
+      <p:par>
+        <p:cTn id="1" dur="indefinite" restart="never" nodeType="tmRoot"/>
+      </p:par>
+    </p:tnLst>
+  </p:timing>
+</p:sld>
+</file>
+
+<file path=ppt/slides/slide14.xml><?xml version="1.0" encoding="utf-8"?>
+<p:sld xmlns:a="http://schemas.openxmlformats.org/drawingml/2006/main" xmlns:r="http://schemas.openxmlformats.org/officeDocument/2006/relationships" xmlns:p="http://schemas.openxmlformats.org/presentationml/2006/main">
+  <p:cSld>
+    <p:spTree>
+      <p:nvGrpSpPr>
+        <p:cNvPr id="1" name=""/>
+        <p:cNvGrpSpPr/>
+        <p:nvPr/>
+      </p:nvGrpSpPr>
+      <p:grpSpPr>
+        <a:xfrm>
+          <a:off x="0" y="0"/>
+          <a:ext cx="0" cy="0"/>
+          <a:chOff x="0" y="0"/>
+          <a:chExt cx="0" cy="0"/>
+        </a:xfrm>
+      </p:grpSpPr>
+      <p:sp>
+        <p:nvSpPr>
+          <p:cNvPr id="2" name="제목 1"/>
+          <p:cNvSpPr>
+            <a:spLocks noGrp="1"/>
+          </p:cNvSpPr>
+          <p:nvPr>
+            <p:ph type="title"/>
+          </p:nvPr>
+        </p:nvSpPr>
+        <p:spPr>
+          <a:xfrm>
+            <a:off x="838200" y="365125"/>
+            <a:ext cx="10515600" cy="671195"/>
+          </a:xfrm>
+        </p:spPr>
+        <p:txBody>
+          <a:bodyPr>
+            <a:normAutofit fontScale="90000"/>
+          </a:bodyPr>
+          <a:lstStyle/>
+          <a:p>
+            <a:r>
+              <a:rPr lang="ko-KR" altLang="en-US" b="1" dirty="0" smtClean="0"/>
+              <a:t>회복기법</a:t>
+            </a:r>
+            <a:endParaRPr lang="ko-KR" altLang="en-US" b="1" dirty="0"/>
+          </a:p>
+        </p:txBody>
+      </p:sp>
+      <p:sp>
+        <p:nvSpPr>
+          <p:cNvPr id="5" name="내용 개체 틀 2"/>
+          <p:cNvSpPr>
+            <a:spLocks noGrp="1"/>
+          </p:cNvSpPr>
+          <p:nvPr>
+            <p:ph idx="1"/>
+          </p:nvPr>
+        </p:nvSpPr>
+        <p:spPr>
+          <a:xfrm>
+            <a:off x="838200" y="1267968"/>
+            <a:ext cx="10515600" cy="4908995"/>
+          </a:xfrm>
+        </p:spPr>
+        <p:txBody>
+          <a:bodyPr>
+            <a:noAutofit/>
+          </a:bodyPr>
+          <a:lstStyle/>
+          <a:p>
+            <a:pPr>
+              <a:lnSpc>
+                <a:spcPct val="200000"/>
+              </a:lnSpc>
+            </a:pPr>
+            <a:r>
+              <a:rPr lang="ko-KR" altLang="en-US" sz="1800" b="1" dirty="0" smtClean="0"/>
+              <a:t>즉시갱신 기법</a:t>
+            </a:r>
+            <a:endParaRPr lang="en-US" altLang="ko-KR" sz="1800" b="1" dirty="0" smtClean="0"/>
+          </a:p>
+          <a:p>
+            <a:pPr lvl="1">
+              <a:lnSpc>
+                <a:spcPct val="200000"/>
+              </a:lnSpc>
+            </a:pPr>
+            <a:r>
+              <a:rPr lang="ko-KR" altLang="en-US" sz="1800" dirty="0" smtClean="0"/>
+              <a:t>트랜잭션이 실행</a:t>
+            </a:r>
+            <a:r>
+              <a:rPr lang="en-US" altLang="ko-KR" sz="1800" dirty="0" smtClean="0"/>
+              <a:t>(</a:t>
+            </a:r>
+            <a:r>
+              <a:rPr lang="ko-KR" altLang="en-US" sz="1800" dirty="0" smtClean="0"/>
+              <a:t>활동</a:t>
+            </a:r>
+            <a:r>
+              <a:rPr lang="en-US" altLang="ko-KR" sz="1800" dirty="0" smtClean="0"/>
+              <a:t>) </a:t>
+            </a:r>
+            <a:r>
+              <a:rPr lang="ko-KR" altLang="en-US" sz="1800" dirty="0" smtClean="0"/>
+              <a:t>상태에서 변경되는 내용을 바로 데이터베이스에 적용</a:t>
+            </a:r>
+            <a:endParaRPr lang="en-US" altLang="ko-KR" sz="1800" dirty="0" smtClean="0"/>
+          </a:p>
+          <a:p>
+            <a:pPr lvl="1">
+              <a:lnSpc>
+                <a:spcPct val="200000"/>
+              </a:lnSpc>
+            </a:pPr>
+            <a:r>
+              <a:rPr lang="ko-KR" altLang="en-US" sz="1800" dirty="0" smtClean="0"/>
+              <a:t>변경되는 모든 내용은 로그</a:t>
+            </a:r>
+            <a:r>
+              <a:rPr lang="en-US" altLang="ko-KR" sz="1800" dirty="0" smtClean="0"/>
+              <a:t>(Log)</a:t>
+            </a:r>
+            <a:r>
+              <a:rPr lang="ko-KR" altLang="en-US" sz="1800" dirty="0" smtClean="0"/>
+              <a:t>에 기록하여 장애 발생 시 로그</a:t>
+            </a:r>
+            <a:r>
+              <a:rPr lang="en-US" altLang="ko-KR" sz="1800" dirty="0" smtClean="0"/>
+              <a:t>(Log)</a:t>
+            </a:r>
+            <a:r>
+              <a:rPr lang="ko-KR" altLang="en-US" sz="1800" dirty="0" smtClean="0"/>
+              <a:t>의 내용을 토대로 회복</a:t>
+            </a:r>
+            <a:endParaRPr lang="en-US" altLang="ko-KR" sz="1800" dirty="0" smtClean="0"/>
+          </a:p>
+          <a:p>
+            <a:pPr lvl="1">
+              <a:lnSpc>
+                <a:spcPct val="200000"/>
+              </a:lnSpc>
+            </a:pPr>
+            <a:r>
+              <a:rPr lang="ko-KR" altLang="en-US" sz="1800" dirty="0" smtClean="0"/>
+              <a:t>회복 작업을 수행할 경우에는 </a:t>
+            </a:r>
+            <a:r>
+              <a:rPr lang="en-US" altLang="ko-KR" sz="1800" dirty="0" smtClean="0"/>
+              <a:t>Redo</a:t>
+            </a:r>
+            <a:r>
+              <a:rPr lang="ko-KR" altLang="en-US" sz="1800" dirty="0" smtClean="0"/>
+              <a:t>와 </a:t>
+            </a:r>
+            <a:r>
+              <a:rPr lang="en-US" altLang="ko-KR" sz="1800" dirty="0" smtClean="0"/>
+              <a:t>Undo </a:t>
+            </a:r>
+            <a:r>
+              <a:rPr lang="ko-KR" altLang="en-US" sz="1800" dirty="0" smtClean="0"/>
+              <a:t>작업이 모두 수행된다</a:t>
+            </a:r>
+            <a:r>
+              <a:rPr lang="en-US" altLang="ko-KR" sz="1800" dirty="0" smtClean="0"/>
+              <a:t>. </a:t>
+            </a:r>
+          </a:p>
+          <a:p>
+            <a:pPr>
+              <a:lnSpc>
+                <a:spcPct val="150000"/>
+              </a:lnSpc>
+            </a:pPr>
+            <a:endParaRPr lang="en-US" altLang="ko-KR" sz="1800" dirty="0" smtClean="0"/>
+          </a:p>
+          <a:p>
+            <a:pPr>
+              <a:lnSpc>
+                <a:spcPct val="150000"/>
+              </a:lnSpc>
+            </a:pPr>
+            <a:endParaRPr lang="en-US" altLang="ko-KR" sz="1800" dirty="0" smtClean="0"/>
+          </a:p>
+        </p:txBody>
+      </p:sp>
+    </p:spTree>
+    <p:extLst>
+      <p:ext uri="{BB962C8B-B14F-4D97-AF65-F5344CB8AC3E}">
+        <p14:creationId xmlns:p14="http://schemas.microsoft.com/office/powerpoint/2010/main" val="835532222"/>
+      </p:ext>
+    </p:extLst>
+  </p:cSld>
+  <p:clrMapOvr>
+    <a:masterClrMapping/>
+  </p:clrMapOvr>
+  <p:timing>
+    <p:tnLst>
+      <p:par>
+        <p:cTn id="1" dur="indefinite" restart="never" nodeType="tmRoot"/>
+      </p:par>
+    </p:tnLst>
+  </p:timing>
+</p:sld>
+</file>
+
+<file path=ppt/slides/slide15.xml><?xml version="1.0" encoding="utf-8"?>
+<p:sld xmlns:a="http://schemas.openxmlformats.org/drawingml/2006/main" xmlns:r="http://schemas.openxmlformats.org/officeDocument/2006/relationships" xmlns:p="http://schemas.openxmlformats.org/presentationml/2006/main">
+  <p:cSld>
+    <p:spTree>
+      <p:nvGrpSpPr>
+        <p:cNvPr id="1" name=""/>
+        <p:cNvGrpSpPr/>
+        <p:nvPr/>
+      </p:nvGrpSpPr>
+      <p:grpSpPr>
+        <a:xfrm>
+          <a:off x="0" y="0"/>
+          <a:ext cx="0" cy="0"/>
+          <a:chOff x="0" y="0"/>
+          <a:chExt cx="0" cy="0"/>
+        </a:xfrm>
+      </p:grpSpPr>
+      <p:sp>
+        <p:nvSpPr>
+          <p:cNvPr id="2" name="제목 1"/>
+          <p:cNvSpPr>
+            <a:spLocks noGrp="1"/>
+          </p:cNvSpPr>
+          <p:nvPr>
+            <p:ph type="title"/>
+          </p:nvPr>
+        </p:nvSpPr>
+        <p:spPr>
+          <a:xfrm>
+            <a:off x="838200" y="365125"/>
+            <a:ext cx="10515600" cy="671195"/>
+          </a:xfrm>
+        </p:spPr>
+        <p:txBody>
+          <a:bodyPr>
+            <a:normAutofit fontScale="90000"/>
+          </a:bodyPr>
+          <a:lstStyle/>
+          <a:p>
+            <a:r>
+              <a:rPr lang="ko-KR" altLang="en-US" b="1" dirty="0" smtClean="0"/>
+              <a:t>회복기법</a:t>
+            </a:r>
+            <a:endParaRPr lang="ko-KR" altLang="en-US" b="1" dirty="0"/>
+          </a:p>
+        </p:txBody>
+      </p:sp>
+      <p:sp>
+        <p:nvSpPr>
+          <p:cNvPr id="5" name="내용 개체 틀 2"/>
+          <p:cNvSpPr>
+            <a:spLocks noGrp="1"/>
+          </p:cNvSpPr>
+          <p:nvPr>
+            <p:ph idx="1"/>
+          </p:nvPr>
+        </p:nvSpPr>
+        <p:spPr>
+          <a:xfrm>
+            <a:off x="838200" y="1267968"/>
+            <a:ext cx="10515600" cy="4908995"/>
+          </a:xfrm>
+        </p:spPr>
+        <p:txBody>
+          <a:bodyPr>
+            <a:noAutofit/>
+          </a:bodyPr>
+          <a:lstStyle/>
+          <a:p>
+            <a:pPr>
+              <a:lnSpc>
+                <a:spcPct val="200000"/>
+              </a:lnSpc>
+            </a:pPr>
+            <a:r>
+              <a:rPr lang="ko-KR" altLang="en-US" sz="1800" b="1" dirty="0" smtClean="0"/>
+              <a:t>지연 갱신 기법</a:t>
+            </a:r>
+            <a:endParaRPr lang="en-US" altLang="ko-KR" sz="1800" b="1" dirty="0" smtClean="0"/>
+          </a:p>
+          <a:p>
+            <a:pPr lvl="1">
+              <a:lnSpc>
+                <a:spcPct val="200000"/>
+              </a:lnSpc>
+            </a:pPr>
+            <a:r>
+              <a:rPr lang="ko-KR" altLang="en-US" sz="1800" dirty="0" smtClean="0"/>
+              <a:t>트랜잭션이 수행되어 부분 완료 될 때까지 데이터베이스에 적용하지 않고 지연시킨 후 부분 완료가 되면 로그</a:t>
+            </a:r>
+            <a:r>
+              <a:rPr lang="en-US" altLang="ko-KR" sz="1800" dirty="0" smtClean="0"/>
+              <a:t>(Log)</a:t>
+            </a:r>
+            <a:r>
+              <a:rPr lang="ko-KR" altLang="en-US" sz="1800" dirty="0" smtClean="0"/>
+              <a:t>의 내용을 토대로 데이터베이스에 적용</a:t>
+            </a:r>
+            <a:endParaRPr lang="en-US" altLang="ko-KR" sz="1800" dirty="0" smtClean="0"/>
+          </a:p>
+          <a:p>
+            <a:pPr lvl="1">
+              <a:lnSpc>
+                <a:spcPct val="200000"/>
+              </a:lnSpc>
+            </a:pPr>
+            <a:r>
+              <a:rPr lang="ko-KR" altLang="en-US" sz="1800" dirty="0" smtClean="0"/>
+              <a:t>트랜잭션이 부분 완료되기 전에 장애가 발생하여 트랜잭션이 </a:t>
+            </a:r>
+            <a:r>
+              <a:rPr lang="en-US" altLang="ko-KR" sz="1800" dirty="0" smtClean="0"/>
+              <a:t>Rollback</a:t>
+            </a:r>
+            <a:r>
+              <a:rPr lang="ko-KR" altLang="en-US" sz="1800" dirty="0" smtClean="0"/>
+              <a:t>되면 트랜잭션이 실제 데이터베이스에 영향을 미치지 않기 때문에 어떠한 변경내용도 취소 시킬 필요 없이 </a:t>
+            </a:r>
+            <a:r>
+              <a:rPr lang="ko-KR" altLang="en-US" sz="1800" dirty="0" err="1" smtClean="0"/>
+              <a:t>무시하면된다</a:t>
+            </a:r>
+            <a:r>
+              <a:rPr lang="en-US" altLang="ko-KR" sz="1800" dirty="0" smtClean="0"/>
+              <a:t>. </a:t>
+            </a:r>
+          </a:p>
+          <a:p>
+            <a:pPr lvl="1">
+              <a:lnSpc>
+                <a:spcPct val="200000"/>
+              </a:lnSpc>
+            </a:pPr>
+            <a:r>
+              <a:rPr lang="ko-KR" altLang="en-US" sz="1800" dirty="0" smtClean="0"/>
+              <a:t>회복 작업을 수행할 경우에는 </a:t>
+            </a:r>
+            <a:r>
+              <a:rPr lang="en-US" altLang="ko-KR" sz="1800" dirty="0" smtClean="0"/>
+              <a:t>Redo </a:t>
+            </a:r>
+            <a:r>
+              <a:rPr lang="ko-KR" altLang="en-US" sz="1800" dirty="0" smtClean="0"/>
+              <a:t>작업만 수행한다</a:t>
+            </a:r>
+            <a:r>
+              <a:rPr lang="en-US" altLang="ko-KR" sz="1800" dirty="0" smtClean="0"/>
+              <a:t>. </a:t>
+            </a:r>
+          </a:p>
+          <a:p>
+            <a:pPr>
+              <a:lnSpc>
+                <a:spcPct val="150000"/>
+              </a:lnSpc>
+            </a:pPr>
+            <a:endParaRPr lang="en-US" altLang="ko-KR" sz="1800" dirty="0" smtClean="0"/>
+          </a:p>
+          <a:p>
+            <a:pPr>
+              <a:lnSpc>
+                <a:spcPct val="150000"/>
+              </a:lnSpc>
+            </a:pPr>
+            <a:endParaRPr lang="en-US" altLang="ko-KR" sz="1800" dirty="0" smtClean="0"/>
+          </a:p>
+        </p:txBody>
+      </p:sp>
+    </p:spTree>
+    <p:extLst>
+      <p:ext uri="{BB962C8B-B14F-4D97-AF65-F5344CB8AC3E}">
+        <p14:creationId xmlns:p14="http://schemas.microsoft.com/office/powerpoint/2010/main" val="3064529855"/>
+      </p:ext>
+    </p:extLst>
+  </p:cSld>
+  <p:clrMapOvr>
+    <a:masterClrMapping/>
+  </p:clrMapOvr>
+  <p:timing>
+    <p:tnLst>
+      <p:par>
+        <p:cTn id="1" dur="indefinite" restart="never" nodeType="tmRoot"/>
+      </p:par>
+    </p:tnLst>
+  </p:timing>
+</p:sld>
+</file>
+
+<file path=ppt/slides/slide16.xml><?xml version="1.0" encoding="utf-8"?>
+<p:sld xmlns:a="http://schemas.openxmlformats.org/drawingml/2006/main" xmlns:r="http://schemas.openxmlformats.org/officeDocument/2006/relationships" xmlns:p="http://schemas.openxmlformats.org/presentationml/2006/main">
+  <p:cSld>
+    <p:spTree>
+      <p:nvGrpSpPr>
+        <p:cNvPr id="1" name=""/>
+        <p:cNvGrpSpPr/>
+        <p:nvPr/>
+      </p:nvGrpSpPr>
+      <p:grpSpPr>
+        <a:xfrm>
+          <a:off x="0" y="0"/>
+          <a:ext cx="0" cy="0"/>
+          <a:chOff x="0" y="0"/>
+          <a:chExt cx="0" cy="0"/>
+        </a:xfrm>
+      </p:grpSpPr>
+      <p:sp>
+        <p:nvSpPr>
+          <p:cNvPr id="2" name="제목 1"/>
+          <p:cNvSpPr>
+            <a:spLocks noGrp="1"/>
+          </p:cNvSpPr>
+          <p:nvPr>
+            <p:ph type="title"/>
+          </p:nvPr>
+        </p:nvSpPr>
+        <p:spPr>
+          <a:xfrm>
+            <a:off x="838200" y="365125"/>
+            <a:ext cx="10515600" cy="671195"/>
+          </a:xfrm>
+        </p:spPr>
+        <p:txBody>
+          <a:bodyPr>
+            <a:normAutofit fontScale="90000"/>
+          </a:bodyPr>
+          <a:lstStyle/>
+          <a:p>
+            <a:r>
+              <a:rPr lang="ko-KR" altLang="en-US" b="1" dirty="0" smtClean="0"/>
+              <a:t>회복기법</a:t>
+            </a:r>
+            <a:endParaRPr lang="ko-KR" altLang="en-US" b="1" dirty="0"/>
+          </a:p>
+        </p:txBody>
+      </p:sp>
+      <p:sp>
+        <p:nvSpPr>
+          <p:cNvPr id="5" name="내용 개체 틀 2"/>
+          <p:cNvSpPr>
+            <a:spLocks noGrp="1"/>
+          </p:cNvSpPr>
+          <p:nvPr>
+            <p:ph idx="1"/>
+          </p:nvPr>
+        </p:nvSpPr>
+        <p:spPr>
+          <a:xfrm>
+            <a:off x="838200" y="1267968"/>
+            <a:ext cx="10515600" cy="4908995"/>
+          </a:xfrm>
+        </p:spPr>
+        <p:txBody>
+          <a:bodyPr>
+            <a:noAutofit/>
+          </a:bodyPr>
+          <a:lstStyle/>
+          <a:p>
+            <a:pPr>
+              <a:lnSpc>
+                <a:spcPct val="150000"/>
+              </a:lnSpc>
+            </a:pPr>
+            <a:r>
+              <a:rPr lang="ko-KR" altLang="en-US" sz="1800" b="1" dirty="0" smtClean="0"/>
+              <a:t>검사 시점 기법</a:t>
+            </a:r>
+            <a:endParaRPr lang="en-US" altLang="ko-KR" sz="1800" b="1" dirty="0" smtClean="0"/>
+          </a:p>
+          <a:p>
+            <a:pPr marL="685800" lvl="2">
+              <a:lnSpc>
+                <a:spcPct val="150000"/>
+              </a:lnSpc>
+              <a:spcBef>
+                <a:spcPts val="1000"/>
+              </a:spcBef>
+            </a:pPr>
+            <a:r>
+              <a:rPr lang="ko-KR" altLang="en-US" sz="1800" dirty="0" smtClean="0"/>
+              <a:t>트랜잭션이 실행되는 중간에 검사 시점</a:t>
+            </a:r>
+            <a:r>
+              <a:rPr lang="en-US" altLang="ko-KR" sz="1800" dirty="0" smtClean="0"/>
+              <a:t>(Check Point)</a:t>
+            </a:r>
+            <a:r>
+              <a:rPr lang="ko-KR" altLang="en-US" sz="1800" dirty="0" smtClean="0"/>
+              <a:t>을 지정하여 검사 시점까지 수행 후 완료된 내용을 데이터베이스에 적용하는 기법</a:t>
+            </a:r>
+            <a:endParaRPr lang="en-US" altLang="ko-KR" sz="1800" dirty="0" smtClean="0"/>
+          </a:p>
+          <a:p>
+            <a:pPr marL="685800" lvl="2">
+              <a:lnSpc>
+                <a:spcPct val="150000"/>
+              </a:lnSpc>
+              <a:spcBef>
+                <a:spcPts val="1000"/>
+              </a:spcBef>
+            </a:pPr>
+            <a:r>
+              <a:rPr lang="ko-KR" altLang="en-US" sz="1800" dirty="0" smtClean="0"/>
+              <a:t>장애 발생 시</a:t>
+            </a:r>
+            <a:r>
+              <a:rPr lang="en-US" altLang="ko-KR" sz="1800" dirty="0" smtClean="0"/>
+              <a:t>, Redo</a:t>
+            </a:r>
+            <a:r>
+              <a:rPr lang="ko-KR" altLang="en-US" sz="1800" dirty="0" smtClean="0"/>
+              <a:t>와 </a:t>
+            </a:r>
+            <a:r>
+              <a:rPr lang="en-US" altLang="ko-KR" sz="1800" dirty="0" smtClean="0"/>
+              <a:t>Undo</a:t>
+            </a:r>
+            <a:r>
+              <a:rPr lang="ko-KR" altLang="en-US" sz="1800" dirty="0" smtClean="0"/>
+              <a:t>를 수행하기 위해 로그 전체를 조사해야 하는 경우를 피하기 위한 기법</a:t>
+            </a:r>
+            <a:r>
+              <a:rPr lang="en-US" altLang="ko-KR" sz="1800" dirty="0" smtClean="0"/>
+              <a:t>. </a:t>
+            </a:r>
+          </a:p>
+          <a:p>
+            <a:pPr marL="685800" lvl="2">
+              <a:lnSpc>
+                <a:spcPct val="150000"/>
+              </a:lnSpc>
+              <a:spcBef>
+                <a:spcPts val="1000"/>
+              </a:spcBef>
+            </a:pPr>
+            <a:r>
+              <a:rPr lang="ko-KR" altLang="en-US" sz="1800" dirty="0" smtClean="0"/>
+              <a:t>장애 발생 시</a:t>
             </a:r>
             <a:r>
               <a:rPr lang="en-US" altLang="ko-KR" sz="1800" dirty="0" smtClean="0"/>
@@ -3706,9 +4746,13 @@
             </a:r>
             <a:r>
               <a:rPr lang="ko-KR" altLang="en-US" sz="1800" dirty="0" smtClean="0"/>
-              <a:t>장애가 발생되는 경우 그림자 페이지를 이용해 회복</a:t>
-            </a:r>
-            <a:endParaRPr lang="en-US" altLang="ko-KR" sz="1800" dirty="0" smtClean="0"/>
+              <a:t>로그 내에서 가장 최근의 검사 시점으로 부터 회복 작업을 수행하여 회복 시간을 단축 시킬 수 있다</a:t>
+            </a:r>
+            <a:r>
+              <a:rPr lang="en-US" altLang="ko-KR" sz="1800" dirty="0" smtClean="0"/>
+              <a:t>. </a:t>
+            </a:r>
+            <a:endParaRPr lang="en-US" altLang="ko-KR" sz="1800" dirty="0"/>
           </a:p>
           <a:p>
             <a:pPr>
@@ -3732,6 +4776,232 @@
     <p:extLst>
       <p:ext uri="{BB962C8B-B14F-4D97-AF65-F5344CB8AC3E}">
         <p14:creationId xmlns:p14="http://schemas.microsoft.com/office/powerpoint/2010/main" val="978479832"/>
+      </p:ext>
+    </p:extLst>
+  </p:cSld>
+  <p:clrMapOvr>
+    <a:masterClrMapping/>
+  </p:clrMapOvr>
+  <p:timing>
+    <p:tnLst>
+      <p:par>
+        <p:cTn id="1" dur="indefinite" restart="never" nodeType="tmRoot"/>
+      </p:par>
+    </p:tnLst>
+  </p:timing>
+</p:sld>
+</file>
+
+<file path=ppt/slides/slide17.xml><?xml version="1.0" encoding="utf-8"?>
+<p:sld xmlns:a="http://schemas.openxmlformats.org/drawingml/2006/main" xmlns:r="http://schemas.openxmlformats.org/officeDocument/2006/relationships" xmlns:p="http://schemas.openxmlformats.org/presentationml/2006/main">
+  <p:cSld>
+    <p:spTree>
+      <p:nvGrpSpPr>
+        <p:cNvPr id="1" name=""/>
+        <p:cNvGrpSpPr/>
+        <p:nvPr/>
+      </p:nvGrpSpPr>
+      <p:grpSpPr>
+        <a:xfrm>
+          <a:off x="0" y="0"/>
+          <a:ext cx="0" cy="0"/>
+          <a:chOff x="0" y="0"/>
+          <a:chExt cx="0" cy="0"/>
+        </a:xfrm>
+      </p:grpSpPr>
+      <p:sp>
+        <p:nvSpPr>
+          <p:cNvPr id="2" name="제목 1"/>
+          <p:cNvSpPr>
+            <a:spLocks noGrp="1"/>
+          </p:cNvSpPr>
+          <p:nvPr>
+            <p:ph type="title"/>
+          </p:nvPr>
+        </p:nvSpPr>
+        <p:spPr>
+          <a:xfrm>
+            <a:off x="838200" y="365125"/>
+            <a:ext cx="10515600" cy="671195"/>
+          </a:xfrm>
+        </p:spPr>
+        <p:txBody>
+          <a:bodyPr>
+            <a:normAutofit fontScale="90000"/>
+          </a:bodyPr>
+          <a:lstStyle/>
+          <a:p>
+            <a:r>
+              <a:rPr lang="ko-KR" altLang="en-US" b="1" dirty="0" smtClean="0"/>
+              <a:t>회복기법</a:t>
+            </a:r>
+            <a:endParaRPr lang="ko-KR" altLang="en-US" b="1" dirty="0"/>
+          </a:p>
+        </p:txBody>
+      </p:sp>
+      <p:sp>
+        <p:nvSpPr>
+          <p:cNvPr id="5" name="내용 개체 틀 2"/>
+          <p:cNvSpPr>
+            <a:spLocks noGrp="1"/>
+          </p:cNvSpPr>
+          <p:nvPr>
+            <p:ph idx="1"/>
+          </p:nvPr>
+        </p:nvSpPr>
+        <p:spPr>
+          <a:xfrm>
+            <a:off x="838200" y="1267968"/>
+            <a:ext cx="10515600" cy="4908995"/>
+          </a:xfrm>
+        </p:spPr>
+        <p:txBody>
+          <a:bodyPr>
+            <a:noAutofit/>
+          </a:bodyPr>
+          <a:lstStyle/>
+          <a:p>
+            <a:pPr>
+              <a:lnSpc>
+                <a:spcPct val="150000"/>
+              </a:lnSpc>
+            </a:pPr>
+            <a:r>
+              <a:rPr lang="ko-KR" altLang="en-US" sz="1800" b="1" dirty="0" smtClean="0"/>
+              <a:t>그림자 </a:t>
+            </a:r>
+            <a:r>
+              <a:rPr lang="ko-KR" altLang="en-US" sz="1800" b="1" dirty="0" err="1" smtClean="0"/>
+              <a:t>페이징</a:t>
+            </a:r>
+            <a:r>
+              <a:rPr lang="en-US" altLang="ko-KR" sz="1800" b="1" dirty="0" smtClean="0"/>
+              <a:t>(Shadow Paging) </a:t>
+            </a:r>
+            <a:r>
+              <a:rPr lang="ko-KR" altLang="en-US" sz="1800" b="1" dirty="0" smtClean="0"/>
+              <a:t>기법</a:t>
+            </a:r>
+            <a:endParaRPr lang="en-US" altLang="ko-KR" sz="1800" dirty="0" smtClean="0"/>
+          </a:p>
+          <a:p>
+            <a:pPr marL="685800" lvl="2">
+              <a:lnSpc>
+                <a:spcPct val="150000"/>
+              </a:lnSpc>
+              <a:spcBef>
+                <a:spcPts val="1000"/>
+              </a:spcBef>
+            </a:pPr>
+            <a:r>
+              <a:rPr lang="ko-KR" altLang="en-US" sz="1800" dirty="0" smtClean="0"/>
+              <a:t>로그</a:t>
+            </a:r>
+            <a:r>
+              <a:rPr lang="en-US" altLang="ko-KR" sz="1800" dirty="0" smtClean="0"/>
+              <a:t>(Log)</a:t>
+            </a:r>
+            <a:r>
+              <a:rPr lang="ko-KR" altLang="en-US" sz="1800" dirty="0" smtClean="0"/>
+              <a:t>를 사용하지 않고</a:t>
+            </a:r>
+            <a:r>
+              <a:rPr lang="en-US" altLang="ko-KR" sz="1800" dirty="0" smtClean="0"/>
+              <a:t>, </a:t>
+            </a:r>
+            <a:r>
+              <a:rPr lang="ko-KR" altLang="en-US" sz="1800" dirty="0" smtClean="0"/>
+              <a:t>데이터베이스를 동일한 크기의 단위인 페이지로 나누어 각 페이지 마다 복사하여 그림자 페이지를 보관하는 기법</a:t>
+            </a:r>
+            <a:endParaRPr lang="en-US" altLang="ko-KR" sz="1800" b="1" dirty="0" smtClean="0"/>
+          </a:p>
+          <a:p>
+            <a:pPr marL="685800" lvl="2">
+              <a:lnSpc>
+                <a:spcPct val="150000"/>
+              </a:lnSpc>
+              <a:spcBef>
+                <a:spcPts val="1000"/>
+              </a:spcBef>
+            </a:pPr>
+            <a:r>
+              <a:rPr lang="ko-KR" altLang="en-US" sz="1800" dirty="0" smtClean="0"/>
+              <a:t>데이터베이스의 변경되는 내용은 원본 페이지에만 적용하고</a:t>
+            </a:r>
+            <a:r>
+              <a:rPr lang="en-US" altLang="ko-KR" sz="1800" dirty="0" smtClean="0"/>
+              <a:t>, </a:t>
+            </a:r>
+            <a:r>
+              <a:rPr lang="ko-KR" altLang="en-US" sz="1800" dirty="0" smtClean="0"/>
+              <a:t>장애가 발생되는 경우 그림자 페이지를 이용해 회복</a:t>
+            </a:r>
+            <a:endParaRPr lang="en-US" altLang="ko-KR" sz="1800" dirty="0" smtClean="0"/>
+          </a:p>
+          <a:p>
+            <a:pPr marL="685800" lvl="2">
+              <a:lnSpc>
+                <a:spcPct val="150000"/>
+              </a:lnSpc>
+              <a:spcBef>
+                <a:spcPts val="1000"/>
+              </a:spcBef>
+            </a:pPr>
+            <a:r>
+              <a:rPr lang="ko-KR" altLang="en-US" sz="1800" dirty="0" smtClean="0"/>
+              <a:t>회복을 위해 로그를 유지할 필요가 없으며</a:t>
+            </a:r>
+            <a:r>
+              <a:rPr lang="en-US" altLang="ko-KR" sz="1800" dirty="0" smtClean="0"/>
+              <a:t>, </a:t>
+            </a:r>
+            <a:r>
+              <a:rPr lang="ko-KR" altLang="en-US" sz="1800" dirty="0" smtClean="0"/>
+              <a:t>회복 작업을 수행할 경우에도 </a:t>
+            </a:r>
+            <a:r>
+              <a:rPr lang="en-US" altLang="ko-KR" sz="1800" dirty="0" smtClean="0"/>
+              <a:t>Redo</a:t>
+            </a:r>
+            <a:r>
+              <a:rPr lang="ko-KR" altLang="en-US" sz="1800" dirty="0" smtClean="0"/>
+              <a:t>와 </a:t>
+            </a:r>
+            <a:r>
+              <a:rPr lang="en-US" altLang="ko-KR" sz="1800" dirty="0" smtClean="0"/>
+              <a:t>Undo </a:t>
+            </a:r>
+            <a:r>
+              <a:rPr lang="ko-KR" altLang="en-US" sz="1800" dirty="0" smtClean="0"/>
+              <a:t>작업을 수행할 필요가 없다</a:t>
+            </a:r>
+            <a:r>
+              <a:rPr lang="en-US" altLang="ko-KR" sz="1800" dirty="0" smtClean="0"/>
+              <a:t>. </a:t>
+            </a:r>
+          </a:p>
+          <a:p>
+            <a:pPr>
+              <a:lnSpc>
+                <a:spcPct val="150000"/>
+              </a:lnSpc>
+            </a:pPr>
+            <a:endParaRPr lang="en-US" altLang="ko-KR" sz="1800" dirty="0" smtClean="0"/>
+          </a:p>
+          <a:p>
+            <a:pPr>
+              <a:lnSpc>
+                <a:spcPct val="150000"/>
+              </a:lnSpc>
+            </a:pPr>
+            <a:endParaRPr lang="en-US" altLang="ko-KR" sz="1800" dirty="0" smtClean="0"/>
+          </a:p>
+        </p:txBody>
+      </p:sp>
+    </p:spTree>
+    <p:extLst>
+      <p:ext uri="{BB962C8B-B14F-4D97-AF65-F5344CB8AC3E}">
+        <p14:creationId xmlns:p14="http://schemas.microsoft.com/office/powerpoint/2010/main" val="1726507601"/>
       </p:ext>
     </p:extLst>
   </p:cSld>
@@ -4859,7 +6129,6 @@
               <a:rPr lang="en-US" altLang="ko-KR" sz="1800" b="1" dirty="0" smtClean="0"/>
               <a:t>)</a:t>
             </a:r>
-            <a:endParaRPr lang="en-US" altLang="ko-KR" sz="1800" b="1" dirty="0"/>
           </a:p>
           <a:p>
             <a:pPr lvl="1">
@@ -4877,225 +6146,66 @@
                   <a:srgbClr val="FF0000"/>
                 </a:solidFill>
               </a:rPr>
-              <a:t>전체가 </a:t>
-            </a:r>
-            <a:r>
-              <a:rPr lang="ko-KR" altLang="en-US" sz="1800" b="1" dirty="0" smtClean="0">
-                <a:solidFill>
-                  <a:srgbClr val="FF0000"/>
-                </a:solidFill>
-              </a:rPr>
-              <a:t>처리되거</a:t>
-            </a:r>
-            <a:r>
-              <a:rPr lang="ko-KR" altLang="en-US" sz="1800" b="1" dirty="0">
-                <a:solidFill>
-                  <a:srgbClr val="FF0000"/>
-                </a:solidFill>
-              </a:rPr>
-              <a:t>나</a:t>
-            </a:r>
-            <a:r>
-              <a:rPr lang="ko-KR" altLang="en-US" sz="1800" b="1" dirty="0" smtClean="0">
-                <a:solidFill>
-                  <a:srgbClr val="FF0000"/>
-                </a:solidFill>
-              </a:rPr>
-              <a:t> </a:t>
-            </a:r>
-            <a:r>
-              <a:rPr lang="ko-KR" altLang="en-US" sz="1800" b="1" dirty="0">
-                <a:solidFill>
-                  <a:srgbClr val="FF0000"/>
-                </a:solidFill>
-              </a:rPr>
-              <a:t>전체가 처리되지 않아야</a:t>
+              <a:t>전체가 처리되거나 전체가 처리되지 않아야</a:t>
             </a:r>
             <a:r>
               <a:rPr lang="ko-KR" altLang="en-US" sz="1800" dirty="0"/>
-              <a:t> </a:t>
-            </a:r>
-            <a:r>
-              <a:rPr lang="ko-KR" altLang="en-US" sz="1800" dirty="0" smtClean="0"/>
-              <a:t>함</a:t>
+              <a:t> 함</a:t>
+            </a:r>
+            <a:r>
+              <a:rPr lang="en-US" altLang="ko-KR" sz="1800" dirty="0"/>
+              <a:t> (All-or-Nothing</a:t>
             </a:r>
             <a:r>
               <a:rPr lang="en-US" altLang="ko-KR" sz="1800" dirty="0" smtClean="0"/>
-              <a:t> (All-or-Nothing)</a:t>
-            </a:r>
+              <a:t>)</a:t>
+            </a:r>
+          </a:p>
+          <a:p>
+            <a:pPr lvl="1">
+              <a:lnSpc>
+                <a:spcPct val="150000"/>
+              </a:lnSpc>
+            </a:pPr>
+            <a:r>
+              <a:rPr lang="ko-KR" altLang="en-US" sz="1800" dirty="0" smtClean="0"/>
+              <a:t>트랜잭션 내의 모든 명령어는 반드시 완벽히 수행되어야 한다</a:t>
+            </a:r>
+            <a:r>
+              <a:rPr lang="en-US" altLang="ko-KR" sz="1800" dirty="0" smtClean="0"/>
+              <a:t>. </a:t>
+            </a:r>
+          </a:p>
+          <a:p>
+            <a:pPr lvl="1">
+              <a:lnSpc>
+                <a:spcPct val="150000"/>
+              </a:lnSpc>
+            </a:pPr>
             <a:endParaRPr lang="en-US" altLang="ko-KR" sz="1800" dirty="0"/>
           </a:p>
           <a:p>
-            <a:pPr>
-              <a:lnSpc>
-                <a:spcPct val="150000"/>
-              </a:lnSpc>
-            </a:pPr>
-            <a:r>
-              <a:rPr lang="en-US" altLang="ko-KR" sz="1800" b="1" dirty="0" smtClean="0"/>
-              <a:t>Consistency </a:t>
-            </a:r>
-            <a:r>
-              <a:rPr lang="en-US" altLang="ko-KR" sz="1800" b="1" dirty="0"/>
-              <a:t>(</a:t>
-            </a:r>
-            <a:r>
-              <a:rPr lang="ko-KR" altLang="en-US" sz="1800" b="1" dirty="0"/>
-              <a:t>일관성</a:t>
-            </a:r>
-            <a:r>
-              <a:rPr lang="en-US" altLang="ko-KR" sz="1800" b="1" dirty="0"/>
-              <a:t>)</a:t>
-            </a:r>
-          </a:p>
-          <a:p>
             <a:pPr lvl="1">
               <a:lnSpc>
                 <a:spcPct val="150000"/>
               </a:lnSpc>
             </a:pPr>
             <a:r>
-              <a:rPr lang="ko-KR" altLang="en-US" sz="1800" dirty="0"/>
-              <a:t>트랜잭션이 실행을 성공적으로 완료하면 </a:t>
-            </a:r>
-            <a:r>
-              <a:rPr lang="ko-KR" altLang="en-US" sz="1800" b="1" dirty="0">
-                <a:solidFill>
-                  <a:srgbClr val="FF0000"/>
-                </a:solidFill>
-              </a:rPr>
-              <a:t>모</a:t>
-            </a:r>
-            <a:r>
-              <a:rPr lang="ko-KR" altLang="en-US" sz="1800" b="1" dirty="0" smtClean="0">
-                <a:solidFill>
-                  <a:srgbClr val="FF0000"/>
-                </a:solidFill>
-              </a:rPr>
-              <a:t>순 없이 </a:t>
-            </a:r>
-            <a:r>
-              <a:rPr lang="ko-KR" altLang="en-US" sz="1800" b="1" dirty="0">
-                <a:solidFill>
-                  <a:srgbClr val="FF0000"/>
-                </a:solidFill>
-              </a:rPr>
-              <a:t>일관성 있는 데이터베이스 상태를 </a:t>
-            </a:r>
-            <a:r>
-              <a:rPr lang="ko-KR" altLang="en-US" sz="1800" b="1" dirty="0" smtClean="0">
-                <a:solidFill>
-                  <a:srgbClr val="FF0000"/>
-                </a:solidFill>
-              </a:rPr>
-              <a:t>보존</a:t>
+              <a:rPr lang="ko-KR" altLang="en-US" sz="1800" dirty="0" smtClean="0"/>
+              <a:t>완벽히 수행되지 않고 어느 하나라도 오류가 발생하면 그 트랜잭션은 모두 취소 되어야 한다</a:t>
+            </a:r>
+            <a:r>
+              <a:rPr lang="en-US" altLang="ko-KR" sz="1800" dirty="0" smtClean="0"/>
+              <a:t>. </a:t>
             </a:r>
             <a:endParaRPr lang="en-US" altLang="ko-KR" sz="1800" dirty="0"/>
-          </a:p>
-          <a:p>
-            <a:pPr>
-              <a:lnSpc>
-                <a:spcPct val="150000"/>
-              </a:lnSpc>
-            </a:pPr>
-            <a:r>
-              <a:rPr lang="en-US" altLang="ko-KR" sz="1800" b="1" dirty="0"/>
-              <a:t>Isolation (</a:t>
-            </a:r>
-            <a:r>
-              <a:rPr lang="ko-KR" altLang="en-US" sz="1800" b="1" dirty="0"/>
-              <a:t>고립성</a:t>
-            </a:r>
-            <a:r>
-              <a:rPr lang="en-US" altLang="ko-KR" sz="1800" b="1" dirty="0"/>
-              <a:t>)</a:t>
-            </a:r>
-          </a:p>
-          <a:p>
-            <a:pPr lvl="1">
-              <a:lnSpc>
-                <a:spcPct val="150000"/>
-              </a:lnSpc>
-            </a:pPr>
-            <a:r>
-              <a:rPr lang="ko-KR" altLang="en-US" sz="1800" dirty="0"/>
-              <a:t>트랜잭션을 수행 시 </a:t>
-            </a:r>
-            <a:r>
-              <a:rPr lang="ko-KR" altLang="en-US" sz="1800" b="1" dirty="0">
-                <a:solidFill>
-                  <a:srgbClr val="FF0000"/>
-                </a:solidFill>
-              </a:rPr>
-              <a:t>다른 트랜잭션의 연산 작업이 끼어들지 못하도록 보장</a:t>
-            </a:r>
-            <a:r>
-              <a:rPr lang="ko-KR" altLang="en-US" sz="1800" dirty="0"/>
-              <a:t> </a:t>
-            </a:r>
-            <a:endParaRPr lang="en-US" altLang="ko-KR" sz="1800" dirty="0" smtClean="0"/>
-          </a:p>
-          <a:p>
-            <a:pPr>
-              <a:lnSpc>
-                <a:spcPct val="150000"/>
-              </a:lnSpc>
-            </a:pPr>
-            <a:r>
-              <a:rPr lang="en-US" altLang="ko-KR" sz="1800" b="1" dirty="0" smtClean="0"/>
-              <a:t>Durability </a:t>
-            </a:r>
-            <a:r>
-              <a:rPr lang="en-US" altLang="ko-KR" sz="1800" b="1" dirty="0"/>
-              <a:t>(</a:t>
-            </a:r>
-            <a:r>
-              <a:rPr lang="ko-KR" altLang="en-US" sz="1800" b="1" dirty="0"/>
-              <a:t>영속성</a:t>
-            </a:r>
-            <a:r>
-              <a:rPr lang="en-US" altLang="ko-KR" sz="1800" b="1" dirty="0"/>
-              <a:t>)</a:t>
-            </a:r>
-          </a:p>
-          <a:p>
-            <a:pPr lvl="1">
-              <a:lnSpc>
-                <a:spcPct val="150000"/>
-              </a:lnSpc>
-            </a:pPr>
-            <a:r>
-              <a:rPr lang="ko-KR" altLang="en-US" sz="1800" dirty="0"/>
-              <a:t>성공이 완료된 트랜잭션의 결과는 </a:t>
-            </a:r>
-            <a:r>
-              <a:rPr lang="ko-KR" altLang="en-US" sz="1800" b="1" dirty="0">
-                <a:solidFill>
-                  <a:srgbClr val="FF0000"/>
-                </a:solidFill>
-              </a:rPr>
-              <a:t>영속적으로 데이터베이스에 </a:t>
-            </a:r>
-            <a:r>
-              <a:rPr lang="ko-KR" altLang="en-US" sz="1800" b="1" dirty="0" smtClean="0">
-                <a:solidFill>
-                  <a:srgbClr val="FF0000"/>
-                </a:solidFill>
-              </a:rPr>
-              <a:t>저장</a:t>
-            </a:r>
-            <a:endParaRPr lang="en-US" altLang="ko-KR" sz="1800" b="1" dirty="0" smtClean="0">
-              <a:solidFill>
-                <a:srgbClr val="FF0000"/>
-              </a:solidFill>
-            </a:endParaRPr>
           </a:p>
         </p:txBody>
       </p:sp>
     </p:spTree>
     <p:extLst>
       <p:ext uri="{BB962C8B-B14F-4D97-AF65-F5344CB8AC3E}">
-        <p14:creationId xmlns:p14="http://schemas.microsoft.com/office/powerpoint/2010/main" val="3168887916"/>
+        <p14:creationId xmlns:p14="http://schemas.microsoft.com/office/powerpoint/2010/main" val="2827387912"/>
       </p:ext>
     </p:extLst>
   </p:cSld>
@@ -5195,14 +6305,21 @@
               </a:lnSpc>
             </a:pPr>
             <a:r>
-              <a:rPr lang="ko-KR" altLang="en-US" sz="1600" b="1" dirty="0" err="1" smtClean="0"/>
-              <a:t>원자성이</a:t>
-            </a:r>
-            <a:r>
-              <a:rPr lang="ko-KR" altLang="en-US" sz="1600" b="1" dirty="0" smtClean="0"/>
-              <a:t> 필요한 사례</a:t>
-            </a:r>
-            <a:endParaRPr lang="en-US" altLang="ko-KR" sz="1600" b="1" dirty="0" smtClean="0"/>
+              <a:rPr lang="en-US" altLang="ko-KR" sz="1800" b="1" dirty="0" smtClean="0"/>
+              <a:t>Consistency </a:t>
+            </a:r>
+            <a:r>
+              <a:rPr lang="en-US" altLang="ko-KR" sz="1800" b="1" dirty="0"/>
+              <a:t>(</a:t>
+            </a:r>
+            <a:r>
+              <a:rPr lang="ko-KR" altLang="en-US" sz="1800" b="1" dirty="0"/>
+              <a:t>일관성</a:t>
+            </a:r>
+            <a:r>
+              <a:rPr lang="en-US" altLang="ko-KR" sz="1800" b="1" dirty="0"/>
+              <a:t>)</a:t>
+            </a:r>
           </a:p>
           <a:p>
             <a:pPr lvl="1">
@@ -5210,97 +6327,7 @@
                 <a:spcPct val="150000"/>
               </a:lnSpc>
             </a:pPr>
-            <a:r>
-              <a:rPr lang="ko-KR" altLang="en-US" sz="1600" dirty="0" err="1" smtClean="0"/>
-              <a:t>십만원을</a:t>
-            </a:r>
-            <a:r>
-              <a:rPr lang="ko-KR" altLang="en-US" sz="1600" dirty="0" smtClean="0"/>
-              <a:t> 다른 </a:t>
-            </a:r>
-            <a:r>
-              <a:rPr lang="ko-KR" altLang="en-US" sz="1600" dirty="0"/>
-              <a:t>계</a:t>
-            </a:r>
-            <a:r>
-              <a:rPr lang="ko-KR" altLang="en-US" sz="1600" dirty="0" smtClean="0"/>
-              <a:t>좌로 송금하는 상황</a:t>
-            </a:r>
-            <a:endParaRPr lang="en-US" altLang="ko-KR" sz="1600" dirty="0" smtClean="0"/>
-          </a:p>
-          <a:p>
-            <a:pPr marL="1257300" lvl="2" indent="-342900">
-              <a:lnSpc>
-                <a:spcPct val="150000"/>
-              </a:lnSpc>
-              <a:buFont typeface="+mj-lt"/>
-              <a:buAutoNum type="arabicPeriod"/>
-            </a:pPr>
-            <a:r>
-              <a:rPr lang="ko-KR" altLang="en-US" sz="1600" dirty="0" smtClean="0"/>
-              <a:t>송금액만큼 </a:t>
-            </a:r>
-            <a:r>
-              <a:rPr lang="ko-KR" altLang="en-US" sz="1600" b="1" dirty="0" smtClean="0"/>
-              <a:t>기존의 계좌에서 금액을 차감</a:t>
-            </a:r>
-            <a:r>
-              <a:rPr lang="ko-KR" altLang="en-US" sz="1600" dirty="0" smtClean="0"/>
-              <a:t>해야 함 </a:t>
-            </a:r>
-            <a:r>
-              <a:rPr lang="en-US" altLang="ko-KR" sz="1600" dirty="0" smtClean="0"/>
-              <a:t>(</a:t>
-            </a:r>
-            <a:r>
-              <a:rPr lang="ko-KR" altLang="en-US" sz="1600" dirty="0" smtClean="0"/>
-              <a:t>내 계좌 </a:t>
-            </a:r>
-            <a:r>
-              <a:rPr lang="en-US" altLang="ko-KR" sz="1600" b="1" dirty="0" smtClean="0"/>
-              <a:t>-10</a:t>
-            </a:r>
-            <a:r>
-              <a:rPr lang="ko-KR" altLang="en-US" sz="1600" b="1" dirty="0" smtClean="0"/>
-              <a:t>만원</a:t>
-            </a:r>
-            <a:r>
-              <a:rPr lang="en-US" altLang="ko-KR" sz="1600" dirty="0" smtClean="0"/>
-              <a:t>)</a:t>
-            </a:r>
-          </a:p>
-          <a:p>
-            <a:pPr marL="1257300" lvl="2" indent="-342900">
-              <a:lnSpc>
-                <a:spcPct val="150000"/>
-              </a:lnSpc>
-              <a:buFont typeface="+mj-lt"/>
-              <a:buAutoNum type="arabicPeriod"/>
-            </a:pPr>
-            <a:r>
-              <a:rPr lang="ko-KR" altLang="en-US" sz="1600" dirty="0" smtClean="0"/>
-              <a:t>다른 계좌의 금액에 송금액 만큼의 금액을 올려주어야 함 </a:t>
-            </a:r>
-            <a:r>
-              <a:rPr lang="en-US" altLang="ko-KR" sz="1600" dirty="0" smtClean="0"/>
-              <a:t>(</a:t>
-            </a:r>
-            <a:r>
-              <a:rPr lang="ko-KR" altLang="en-US" sz="1600" dirty="0" smtClean="0"/>
-              <a:t>다른 계좌 </a:t>
-            </a:r>
-            <a:r>
-              <a:rPr lang="en-US" altLang="ko-KR" sz="1600" b="1" dirty="0" smtClean="0"/>
-              <a:t>+10</a:t>
-            </a:r>
-            <a:r>
-              <a:rPr lang="ko-KR" altLang="en-US" sz="1600" b="1" dirty="0" smtClean="0"/>
-              <a:t>만원</a:t>
-            </a:r>
-            <a:r>
-              <a:rPr lang="en-US" altLang="ko-KR" sz="1600" dirty="0" smtClean="0"/>
-              <a:t>)</a:t>
-            </a:r>
+            <a:endParaRPr lang="en-US" altLang="ko-KR" sz="1800" dirty="0" smtClean="0"/>
           </a:p>
           <a:p>
             <a:pPr lvl="1">
@@ -5309,29 +6336,46 @@
               </a:lnSpc>
             </a:pPr>
             <a:r>
-              <a:rPr lang="ko-KR" altLang="en-US" sz="1600" dirty="0" smtClean="0"/>
-              <a:t>만약 </a:t>
-            </a:r>
-            <a:r>
-              <a:rPr lang="en-US" altLang="ko-KR" sz="1600" dirty="0" smtClean="0"/>
-              <a:t>1</a:t>
-            </a:r>
-            <a:r>
-              <a:rPr lang="ko-KR" altLang="en-US" sz="1600" dirty="0" smtClean="0"/>
-              <a:t>번만 실행되고 </a:t>
-            </a:r>
-            <a:r>
-              <a:rPr lang="en-US" altLang="ko-KR" sz="1600" dirty="0" smtClean="0"/>
-              <a:t>2</a:t>
-            </a:r>
-            <a:r>
-              <a:rPr lang="ko-KR" altLang="en-US" sz="1600" dirty="0" smtClean="0"/>
-              <a:t>번이 모종의 이유로 인해 실행되지 않는다면</a:t>
-            </a:r>
-            <a:r>
-              <a:rPr lang="en-US" altLang="ko-KR" sz="1600" dirty="0" smtClean="0"/>
-              <a:t>?</a:t>
-            </a:r>
+              <a:rPr lang="ko-KR" altLang="en-US" sz="1800" dirty="0" smtClean="0"/>
+              <a:t>트랜잭션 수행이 </a:t>
+            </a:r>
+            <a:r>
+              <a:rPr lang="ko-KR" altLang="en-US" sz="1800" dirty="0"/>
+              <a:t>성공적으로 </a:t>
+            </a:r>
+            <a:r>
+              <a:rPr lang="ko-KR" altLang="en-US" sz="1800" dirty="0" smtClean="0"/>
+              <a:t>완료되면 </a:t>
+            </a:r>
+            <a:r>
+              <a:rPr lang="ko-KR" altLang="en-US" sz="1800" b="1" dirty="0" smtClean="0">
+                <a:solidFill>
+                  <a:srgbClr val="FF0000"/>
+                </a:solidFill>
+              </a:rPr>
+              <a:t>언제나 일관성 있는 데이터베이스 상태로 변환한다</a:t>
+            </a:r>
+            <a:r>
+              <a:rPr lang="en-US" altLang="ko-KR" sz="1800" b="1" dirty="0" smtClean="0">
+                <a:solidFill>
+                  <a:srgbClr val="FF0000"/>
+                </a:solidFill>
+              </a:rPr>
+              <a:t>. </a:t>
+            </a:r>
+            <a:r>
+              <a:rPr lang="ko-KR" altLang="en-US" sz="1800" b="1" dirty="0" smtClean="0">
+                <a:solidFill>
+                  <a:srgbClr val="FF0000"/>
+                </a:solidFill>
+              </a:rPr>
+              <a:t> </a:t>
+            </a:r>
+            <a:endParaRPr lang="en-US" altLang="ko-KR" sz="1800" b="1" dirty="0" smtClean="0">
+              <a:solidFill>
+                <a:srgbClr val="FF0000"/>
+              </a:solidFill>
+            </a:endParaRPr>
           </a:p>
           <a:p>
             <a:pPr lvl="1">
@@ -5339,22 +6383,11 @@
                 <a:spcPct val="150000"/>
               </a:lnSpc>
             </a:pPr>
-            <a:r>
-              <a:rPr lang="ko-KR" altLang="en-US" sz="1600" dirty="0" smtClean="0"/>
-              <a:t>따라서 </a:t>
-            </a:r>
-            <a:r>
-              <a:rPr lang="ko-KR" altLang="en-US" sz="1600" b="1" dirty="0" smtClean="0"/>
-              <a:t>모든 명령어 전체가 실행되지 않을 것이라면</a:t>
-            </a:r>
-            <a:r>
-              <a:rPr lang="ko-KR" altLang="en-US" sz="1600" dirty="0" smtClean="0"/>
-              <a:t> 전체가 전부 실행되지 않아야 함 </a:t>
-            </a:r>
-            <a:r>
-              <a:rPr lang="en-US" altLang="ko-KR" sz="1600" dirty="0" smtClean="0"/>
-              <a:t>(All-or-Nothing)</a:t>
-            </a:r>
+            <a:endParaRPr lang="en-US" altLang="ko-KR" sz="1800" dirty="0">
+              <a:solidFill>
+                <a:srgbClr val="FF0000"/>
+              </a:solidFill>
+            </a:endParaRPr>
           </a:p>
           <a:p>
             <a:pPr lvl="1">
@@ -5363,173 +6396,13 @@
               </a:lnSpc>
             </a:pPr>
             <a:r>
-              <a:rPr lang="ko-KR" altLang="en-US" sz="1600" dirty="0" smtClean="0"/>
-              <a:t>좀 더 복잡한 상황</a:t>
-            </a:r>
-            <a:r>
-              <a:rPr lang="en-US" altLang="ko-KR" sz="1600" dirty="0"/>
-              <a:t> </a:t>
-            </a:r>
-            <a:r>
-              <a:rPr lang="en-US" altLang="ko-KR" sz="1600" dirty="0" smtClean="0"/>
-              <a:t>(</a:t>
-            </a:r>
-            <a:r>
-              <a:rPr lang="ko-KR" altLang="en-US" sz="1600" dirty="0" smtClean="0"/>
-              <a:t>현재 콘서트 좌석</a:t>
-            </a:r>
-            <a:r>
-              <a:rPr lang="en-US" altLang="ko-KR" sz="1600" dirty="0" smtClean="0"/>
-              <a:t>(R</a:t>
-            </a:r>
-            <a:r>
-              <a:rPr lang="ko-KR" altLang="en-US" sz="1600" dirty="0" smtClean="0"/>
-              <a:t>석</a:t>
-            </a:r>
-            <a:r>
-              <a:rPr lang="en-US" altLang="ko-KR" sz="1600" dirty="0" smtClean="0"/>
-              <a:t>)</a:t>
-            </a:r>
-            <a:r>
-              <a:rPr lang="ko-KR" altLang="en-US" sz="1600" dirty="0" smtClean="0"/>
-              <a:t>을 환불하고 다른 더 좋은 좌석</a:t>
-            </a:r>
-            <a:r>
-              <a:rPr lang="en-US" altLang="ko-KR" sz="1600" dirty="0" smtClean="0"/>
-              <a:t>(S</a:t>
-            </a:r>
-            <a:r>
-              <a:rPr lang="ko-KR" altLang="en-US" sz="1600" dirty="0" smtClean="0"/>
-              <a:t>석</a:t>
-            </a:r>
-            <a:r>
-              <a:rPr lang="en-US" altLang="ko-KR" sz="1600" dirty="0" smtClean="0"/>
-              <a:t>)</a:t>
-            </a:r>
-            <a:r>
-              <a:rPr lang="ko-KR" altLang="en-US" sz="1600" dirty="0" smtClean="0"/>
-              <a:t>을 예매하려고 하는 상황</a:t>
-            </a:r>
-            <a:r>
-              <a:rPr lang="en-US" altLang="ko-KR" sz="1600" dirty="0" smtClean="0"/>
-              <a:t>)</a:t>
-            </a:r>
-          </a:p>
-          <a:p>
-            <a:pPr marL="1257300" lvl="2" indent="-342900">
-              <a:lnSpc>
-                <a:spcPct val="150000"/>
-              </a:lnSpc>
-              <a:buFont typeface="+mj-lt"/>
-              <a:buAutoNum type="arabicPeriod"/>
-            </a:pPr>
-            <a:r>
-              <a:rPr lang="ko-KR" altLang="en-US" sz="1600" dirty="0" smtClean="0"/>
-              <a:t>콘서트 좌석 예매를 취소</a:t>
-            </a:r>
-            <a:r>
-              <a:rPr lang="en-US" altLang="ko-KR" sz="1600" dirty="0" smtClean="0"/>
-              <a:t>(R</a:t>
-            </a:r>
-            <a:r>
-              <a:rPr lang="ko-KR" altLang="en-US" sz="1600" dirty="0" smtClean="0"/>
-              <a:t>석</a:t>
-            </a:r>
-            <a:r>
-              <a:rPr lang="en-US" altLang="ko-KR" sz="1600" dirty="0"/>
-              <a:t>) </a:t>
-            </a:r>
-            <a:r>
-              <a:rPr lang="en-US" altLang="ko-KR" sz="1600" dirty="0" smtClean="0"/>
-              <a:t>→ </a:t>
-            </a:r>
-            <a:r>
-              <a:rPr lang="ko-KR" altLang="en-US" sz="1600" dirty="0"/>
-              <a:t>여기까지만 완료되면 </a:t>
-            </a:r>
-            <a:r>
-              <a:rPr lang="ko-KR" altLang="en-US" sz="1600" dirty="0" smtClean="0"/>
-              <a:t>고객에게 최악의 상황</a:t>
-            </a:r>
-            <a:endParaRPr lang="en-US" altLang="ko-KR" sz="1600" dirty="0" smtClean="0"/>
-          </a:p>
-          <a:p>
-            <a:pPr marL="1257300" lvl="2" indent="-342900">
-              <a:lnSpc>
-                <a:spcPct val="150000"/>
-              </a:lnSpc>
-              <a:buFont typeface="+mj-lt"/>
-              <a:buAutoNum type="arabicPeriod"/>
-            </a:pPr>
-            <a:r>
-              <a:rPr lang="ko-KR" altLang="en-US" sz="1600" dirty="0" smtClean="0"/>
-              <a:t>좌석의 예매 비용만큼을 환불 </a:t>
-            </a:r>
-            <a:r>
-              <a:rPr lang="ko-KR" altLang="en-US" sz="1600" dirty="0"/>
-              <a:t>계좌로 환불 </a:t>
-            </a:r>
-            <a:r>
-              <a:rPr lang="ko-KR" altLang="en-US" sz="1600" dirty="0" smtClean="0"/>
-              <a:t>→ 여기까지만 완료되면 고객은 본전은 건짐</a:t>
-            </a:r>
-            <a:endParaRPr lang="en-US" altLang="ko-KR" sz="1600" dirty="0" smtClean="0"/>
-          </a:p>
-          <a:p>
-            <a:pPr marL="1257300" lvl="2" indent="-342900">
-              <a:lnSpc>
-                <a:spcPct val="150000"/>
-              </a:lnSpc>
-              <a:buFont typeface="+mj-lt"/>
-              <a:buAutoNum type="arabicPeriod"/>
-            </a:pPr>
-            <a:r>
-              <a:rPr lang="ko-KR" altLang="en-US" sz="1600" dirty="0" smtClean="0"/>
-              <a:t>콘서트 좌석 다시 예매 </a:t>
-            </a:r>
-            <a:r>
-              <a:rPr lang="en-US" altLang="ko-KR" sz="1600" dirty="0" smtClean="0"/>
-              <a:t>(S</a:t>
-            </a:r>
-            <a:r>
-              <a:rPr lang="ko-KR" altLang="en-US" sz="1600" dirty="0" smtClean="0"/>
-              <a:t>석</a:t>
-            </a:r>
-            <a:r>
-              <a:rPr lang="en-US" altLang="ko-KR" sz="1600" dirty="0"/>
-              <a:t>) </a:t>
-            </a:r>
-            <a:r>
-              <a:rPr lang="en-US" altLang="ko-KR" sz="1600" dirty="0" smtClean="0"/>
-              <a:t>→ </a:t>
-            </a:r>
-            <a:r>
-              <a:rPr lang="ko-KR" altLang="en-US" sz="1600" dirty="0" smtClean="0"/>
-              <a:t>여기까지만 완료되면 콘서트 업체에게 최악의 상황</a:t>
-            </a:r>
-            <a:endParaRPr lang="en-US" altLang="ko-KR" sz="1600" dirty="0" smtClean="0"/>
-          </a:p>
-          <a:p>
-            <a:pPr marL="1257300" lvl="2" indent="-342900">
-              <a:lnSpc>
-                <a:spcPct val="150000"/>
-              </a:lnSpc>
-              <a:buFont typeface="+mj-lt"/>
-              <a:buAutoNum type="arabicPeriod"/>
-            </a:pPr>
-            <a:r>
-              <a:rPr lang="ko-KR" altLang="en-US" sz="1600" dirty="0" smtClean="0"/>
-              <a:t>좌석의 예매 비용만큼을 </a:t>
-            </a:r>
-            <a:r>
-              <a:rPr lang="ko-KR" altLang="en-US" sz="1600" dirty="0"/>
-              <a:t>계좌에서 차감 </a:t>
-            </a:r>
-            <a:r>
-              <a:rPr lang="ko-KR" altLang="en-US" sz="1600" dirty="0" smtClean="0"/>
-              <a:t>→ 다 끝나야 가장 정상적으로 끝나는 상황</a:t>
-            </a:r>
-            <a:endParaRPr lang="en-US" altLang="ko-KR" sz="1600" dirty="0" smtClean="0"/>
+              <a:rPr lang="ko-KR" altLang="en-US" sz="1800" dirty="0" smtClean="0"/>
+              <a:t>시스템이 가지고 있는 고정 요소는 트랜잭션 수행 전과 수행 완료 후의 상태가 같아야 한다</a:t>
+            </a:r>
+            <a:r>
+              <a:rPr lang="en-US" altLang="ko-KR" sz="1800" dirty="0" smtClean="0"/>
+              <a:t>. </a:t>
+            </a:r>
           </a:p>
           <a:p>
             <a:pPr lvl="1">
@@ -5537,29 +6410,113 @@
                 <a:spcPct val="150000"/>
               </a:lnSpc>
             </a:pPr>
-            <a:r>
-              <a:rPr lang="ko-KR" altLang="en-US" sz="1600" dirty="0" smtClean="0"/>
-              <a:t>이 상황 역시 </a:t>
-            </a:r>
-            <a:r>
-              <a:rPr lang="ko-KR" altLang="en-US" sz="1600" b="1" dirty="0" smtClean="0"/>
-              <a:t>모두 한꺼번에 처리</a:t>
-            </a:r>
-            <a:r>
-              <a:rPr lang="ko-KR" altLang="en-US" sz="1600" dirty="0" smtClean="0"/>
-              <a:t>되어야 함 </a:t>
-            </a:r>
-            <a:r>
-              <a:rPr lang="en-US" altLang="ko-KR" sz="1600" dirty="0" smtClean="0"/>
-              <a:t>(All-or-Nothing)</a:t>
-            </a:r>
+            <a:endParaRPr lang="en-US" altLang="ko-KR" sz="1800" dirty="0"/>
+          </a:p>
+          <a:p>
+            <a:pPr lvl="1">
+              <a:lnSpc>
+                <a:spcPct val="150000"/>
+              </a:lnSpc>
+            </a:pPr>
+            <a:r>
+              <a:rPr lang="ko-KR" altLang="en-US" sz="1800" dirty="0" smtClean="0"/>
+              <a:t>동시에 실행되는 트랜잭션이 없는 고립 상태에서의 트랜잭션 수행은 데이터 베이스의 일관성을 유지하여야 한다</a:t>
+            </a:r>
+            <a:r>
+              <a:rPr lang="en-US" altLang="ko-KR" sz="1800" dirty="0" smtClean="0"/>
+              <a:t>. </a:t>
+            </a:r>
+          </a:p>
+          <a:p>
+            <a:pPr marL="457200" lvl="1" indent="0">
+              <a:lnSpc>
+                <a:spcPct val="150000"/>
+              </a:lnSpc>
+              <a:buNone/>
+            </a:pPr>
+            <a:r>
+              <a:rPr lang="ko-KR" altLang="en-US" sz="1400" dirty="0" smtClean="0"/>
+              <a:t>예</a:t>
+            </a:r>
+            <a:r>
+              <a:rPr lang="en-US" altLang="ko-KR" sz="1400" dirty="0" smtClean="0"/>
+              <a:t>) A</a:t>
+            </a:r>
+            <a:r>
+              <a:rPr lang="ko-KR" altLang="en-US" sz="1400" dirty="0" smtClean="0"/>
+              <a:t>계좌에서 </a:t>
+            </a:r>
+            <a:r>
+              <a:rPr lang="en-US" altLang="ko-KR" sz="1400" dirty="0" smtClean="0"/>
+              <a:t>B</a:t>
+            </a:r>
+            <a:r>
+              <a:rPr lang="ko-KR" altLang="en-US" sz="1400" dirty="0" smtClean="0"/>
+              <a:t>계좌로 </a:t>
+            </a:r>
+            <a:r>
+              <a:rPr lang="en-US" altLang="ko-KR" sz="1400" dirty="0" smtClean="0"/>
+              <a:t>1000</a:t>
+            </a:r>
+            <a:r>
+              <a:rPr lang="ko-KR" altLang="en-US" sz="1400" dirty="0" smtClean="0"/>
+              <a:t>원을 이체하는 트랜잭션은 완벽히 실행되어 </a:t>
+            </a:r>
+            <a:r>
+              <a:rPr lang="en-US" altLang="ko-KR" sz="1400" dirty="0" smtClean="0"/>
+              <a:t>COMMIT</a:t>
+            </a:r>
+            <a:r>
+              <a:rPr lang="ko-KR" altLang="en-US" sz="1400" dirty="0" smtClean="0"/>
+              <a:t>연산을 수행해야 한다</a:t>
+            </a:r>
+            <a:r>
+              <a:rPr lang="en-US" altLang="ko-KR" sz="1400" dirty="0" smtClean="0"/>
+              <a:t>. </a:t>
+            </a:r>
+            <a:r>
+              <a:rPr lang="ko-KR" altLang="en-US" sz="1400" dirty="0" smtClean="0"/>
+              <a:t>그렇지 않고 트랜잭션 수행 도중에 오류가 발생하면 </a:t>
+            </a:r>
+            <a:r>
+              <a:rPr lang="en-US" altLang="ko-KR" sz="1400" dirty="0" smtClean="0"/>
+              <a:t>ROLLBACK </a:t>
+            </a:r>
+            <a:r>
+              <a:rPr lang="ko-KR" altLang="en-US" sz="1400" dirty="0" smtClean="0"/>
+              <a:t>연산을 수행하여 그 때까지 수행된 트랜잭션 연산을 모두 취소하여 원래의 상태로 만들어야 한다</a:t>
+            </a:r>
+            <a:r>
+              <a:rPr lang="en-US" altLang="ko-KR" sz="1400" dirty="0" smtClean="0"/>
+              <a:t>. </a:t>
+            </a:r>
+          </a:p>
+          <a:p>
+            <a:pPr lvl="1">
+              <a:lnSpc>
+                <a:spcPct val="150000"/>
+              </a:lnSpc>
+            </a:pPr>
+            <a:endParaRPr lang="en-US" altLang="ko-KR" sz="1800" b="1" dirty="0">
+              <a:solidFill>
+                <a:srgbClr val="FF0000"/>
+              </a:solidFill>
+            </a:endParaRPr>
+          </a:p>
+          <a:p>
+            <a:pPr lvl="1">
+              <a:lnSpc>
+                <a:spcPct val="150000"/>
+              </a:lnSpc>
+            </a:pPr>
+            <a:endParaRPr lang="en-US" altLang="ko-KR" sz="1800" dirty="0"/>
           </a:p>
         </p:txBody>
       </p:sp>
     </p:spTree>
     <p:extLst>
       <p:ext uri="{BB962C8B-B14F-4D97-AF65-F5344CB8AC3E}">
-        <p14:creationId xmlns:p14="http://schemas.microsoft.com/office/powerpoint/2010/main" val="942533849"/>
+        <p14:creationId xmlns:p14="http://schemas.microsoft.com/office/powerpoint/2010/main" val="748522515"/>
       </p:ext>
     </p:extLst>
   </p:cSld>
@@ -5617,15 +6574,15 @@
           <a:p>
             <a:r>
               <a:rPr lang="en-US" altLang="ko-KR" b="1" dirty="0" smtClean="0"/>
-              <a:t>Commit</a:t>
+              <a:t>Transaction</a:t>
             </a:r>
             <a:r>
               <a:rPr lang="ko-KR" altLang="en-US" b="1" dirty="0" smtClean="0"/>
-              <a:t>과 </a:t>
+              <a:t>이 되기 위한 조건 </a:t>
             </a:r>
             <a:r>
               <a:rPr lang="en-US" altLang="ko-KR" b="1" dirty="0" smtClean="0"/>
-              <a:t>Rollback</a:t>
+              <a:t>(ACID)</a:t>
             </a:r>
             <a:endParaRPr lang="ko-KR" altLang="en-US" b="1" dirty="0"/>
           </a:p>
@@ -5660,7 +6617,19 @@
             </a:pPr>
             <a:r>
               <a:rPr lang="en-US" altLang="ko-KR" sz="1800" b="1" dirty="0" smtClean="0"/>
-              <a:t>Commit</a:t>
+              <a:t>Isolation </a:t>
+            </a:r>
+            <a:r>
+              <a:rPr lang="en-US" altLang="ko-KR" sz="1800" b="1" dirty="0"/>
+              <a:t>(</a:t>
+            </a:r>
+            <a:r>
+              <a:rPr lang="ko-KR" altLang="en-US" sz="1800" b="1" dirty="0"/>
+              <a:t>고립성</a:t>
+            </a:r>
+            <a:r>
+              <a:rPr lang="en-US" altLang="ko-KR" sz="1800" b="1" dirty="0" smtClean="0"/>
+              <a:t>)</a:t>
             </a:r>
           </a:p>
           <a:p>
@@ -5671,23 +6640,7 @@
             </a:pPr>
             <a:r>
               <a:rPr lang="ko-KR" altLang="en-US" sz="1800" dirty="0" smtClean="0"/>
-              <a:t>수행한 </a:t>
-            </a:r>
-            <a:r>
-              <a:rPr lang="en-US" altLang="ko-KR" sz="1800" dirty="0"/>
-              <a:t>DML </a:t>
-            </a:r>
-            <a:r>
-              <a:rPr lang="ko-KR" altLang="en-US" sz="1800" dirty="0"/>
-              <a:t>명령어들을 </a:t>
-            </a:r>
-            <a:r>
-              <a:rPr lang="ko-KR" altLang="en-US" sz="1800" b="1" dirty="0">
-                <a:solidFill>
-                  <a:srgbClr val="FF0000"/>
-                </a:solidFill>
-              </a:rPr>
-              <a:t>최종적으로 데이터에 </a:t>
+              <a:t>한 트랜잭션이 데이터를 갱신하는 동안 이 트랜잭션이 완료되기 전에는 갱신중인 </a:t>
             </a:r>
             <a:r>
               <a:rPr lang="ko-KR" altLang="en-US" sz="1800" b="1" dirty="0" smtClean="0">
@@ -5695,221 +6648,190 @@
                   <a:srgbClr val="FF0000"/>
                 </a:solidFill>
               </a:rPr>
-              <a:t>반영</a:t>
-            </a:r>
-            <a:r>
-              <a:rPr lang="ko-KR" altLang="en-US" sz="1800" dirty="0" smtClean="0"/>
-              <a:t>하는 명령어</a:t>
-            </a:r>
-            <a:endParaRPr lang="en-US" altLang="ko-KR" sz="1800" dirty="0" smtClean="0"/>
-          </a:p>
-          <a:p>
-            <a:pPr>
-              <a:lnSpc>
-                <a:spcPct val="150000"/>
-              </a:lnSpc>
-            </a:pPr>
-            <a:r>
-              <a:rPr lang="en-US" altLang="ko-KR" sz="1800" b="1" dirty="0" smtClean="0"/>
-              <a:t>Rollback</a:t>
-            </a:r>
-          </a:p>
-          <a:p>
-            <a:pPr lvl="1">
-              <a:lnSpc>
-                <a:spcPct val="150000"/>
-              </a:lnSpc>
-            </a:pPr>
-            <a:r>
-              <a:rPr lang="ko-KR" altLang="en-US" sz="1800" dirty="0"/>
-              <a:t>수행한 </a:t>
-            </a:r>
-            <a:r>
-              <a:rPr lang="en-US" altLang="ko-KR" sz="1800" dirty="0"/>
-              <a:t>DML </a:t>
-            </a:r>
-            <a:r>
-              <a:rPr lang="ko-KR" altLang="en-US" sz="1800" b="1" dirty="0">
+              <a:t>데이터를 다른 트랜잭션들이 접근하지 못하도록 해야 한다</a:t>
+            </a:r>
+            <a:r>
+              <a:rPr lang="en-US" altLang="ko-KR" sz="1800" b="1" dirty="0" smtClean="0">
                 <a:solidFill>
                   <a:srgbClr val="FF0000"/>
                 </a:solidFill>
               </a:rPr>
-              <a:t>명령어들을 </a:t>
-            </a:r>
-            <a:r>
-              <a:rPr lang="ko-KR" altLang="en-US" sz="1800" b="1" dirty="0" smtClean="0">
-                <a:solidFill>
-                  <a:srgbClr val="FF0000"/>
-                </a:solidFill>
-              </a:rPr>
-              <a:t>취소</a:t>
-            </a:r>
-            <a:r>
-              <a:rPr lang="ko-KR" altLang="en-US" sz="1800" dirty="0" smtClean="0"/>
-              <a:t>하는 명령어</a:t>
-            </a:r>
+              <a:t>. </a:t>
+            </a:r>
+          </a:p>
+          <a:p>
+            <a:pPr lvl="1">
+              <a:lnSpc>
+                <a:spcPct val="150000"/>
+              </a:lnSpc>
+            </a:pPr>
+            <a:endParaRPr lang="en-US" altLang="ko-KR" sz="1800" dirty="0"/>
+          </a:p>
+          <a:p>
+            <a:pPr lvl="1">
+              <a:lnSpc>
+                <a:spcPct val="150000"/>
+              </a:lnSpc>
+            </a:pPr>
+            <a:r>
+              <a:rPr lang="ko-KR" altLang="en-US" sz="1800" dirty="0" smtClean="0"/>
+              <a:t>여러 트랜잭션들이 동시에 수행되어도 그 결과는 순차적으로 실행된 결과와 같아야 한다</a:t>
+            </a:r>
+            <a:r>
+              <a:rPr lang="en-US" altLang="ko-KR" sz="1800" dirty="0" smtClean="0"/>
+              <a:t>. </a:t>
+            </a:r>
+          </a:p>
+          <a:p>
+            <a:pPr lvl="1">
+              <a:lnSpc>
+                <a:spcPct val="150000"/>
+              </a:lnSpc>
+            </a:pPr>
             <a:endParaRPr lang="en-US" altLang="ko-KR" sz="1800" dirty="0" smtClean="0"/>
           </a:p>
           <a:p>
-            <a:pPr>
-              <a:lnSpc>
-                <a:spcPct val="150000"/>
-              </a:lnSpc>
-            </a:pPr>
-            <a:r>
-              <a:rPr lang="ko-KR" altLang="en-US" sz="1800" b="1" dirty="0" smtClean="0"/>
-              <a:t>자동으로 </a:t>
-            </a:r>
-            <a:r>
-              <a:rPr lang="en-US" altLang="ko-KR" sz="1800" b="1" dirty="0" smtClean="0"/>
-              <a:t>Commit</a:t>
+            <a:pPr lvl="1">
+              <a:lnSpc>
+                <a:spcPct val="150000"/>
+              </a:lnSpc>
+            </a:pPr>
+            <a:r>
+              <a:rPr lang="ko-KR" altLang="en-US" sz="1800" dirty="0" smtClean="0"/>
+              <a:t>여러 </a:t>
+            </a:r>
+            <a:r>
+              <a:rPr lang="ko-KR" altLang="en-US" sz="1800" dirty="0" err="1" smtClean="0"/>
+              <a:t>트랜젝션들이</a:t>
+            </a:r>
+            <a:r>
+              <a:rPr lang="ko-KR" altLang="en-US" sz="1800" dirty="0" smtClean="0"/>
+              <a:t> </a:t>
+            </a:r>
+            <a:r>
+              <a:rPr lang="ko-KR" altLang="en-US" sz="1800" dirty="0" smtClean="0"/>
+              <a:t>동시에 실행되더라도 데이터베이스 관리 시스템은 트랜잭션 </a:t>
             </a:r>
             <a:r>
               <a:rPr lang="en-US" altLang="ko-KR" sz="1800" dirty="0" smtClean="0"/>
+              <a:t>T1</a:t>
+            </a:r>
+            <a:r>
+              <a:rPr lang="ko-KR" altLang="en-US" sz="1800" dirty="0" smtClean="0"/>
+              <a:t>과 </a:t>
+            </a:r>
+            <a:r>
+              <a:rPr lang="en-US" altLang="ko-KR" sz="1800" dirty="0" smtClean="0"/>
+              <a:t>T2, </a:t>
+            </a:r>
+            <a:r>
+              <a:rPr lang="ko-KR" altLang="en-US" sz="1800" dirty="0" smtClean="0"/>
+              <a:t>각</a:t>
+            </a:r>
+            <a:r>
+              <a:rPr lang="en-US" altLang="ko-KR" sz="1800" dirty="0"/>
               <a:t> </a:t>
             </a:r>
             <a:r>
               <a:rPr lang="ko-KR" altLang="en-US" sz="1800" dirty="0" smtClean="0"/>
-              <a:t>되는 경우 </a:t>
+              <a:t>쌍에 대해 </a:t>
             </a:r>
             <a:r>
               <a:rPr lang="en-US" altLang="ko-KR" sz="1800" dirty="0" smtClean="0"/>
-              <a:t>(Auto Commit)</a:t>
-            </a:r>
-          </a:p>
-          <a:p>
-            <a:pPr lvl="1">
-              <a:lnSpc>
-                <a:spcPct val="150000"/>
-              </a:lnSpc>
-            </a:pPr>
+              <a:t>T1</a:t>
+            </a:r>
+            <a:r>
+              <a:rPr lang="ko-KR" altLang="en-US" sz="1800" dirty="0" smtClean="0"/>
+              <a:t>이 시작되기 전에 </a:t>
+            </a:r>
             <a:r>
               <a:rPr lang="en-US" altLang="ko-KR" sz="1800" dirty="0" smtClean="0"/>
-              <a:t>SQL*Plus</a:t>
-            </a:r>
-            <a:r>
-              <a:rPr lang="ko-KR" altLang="en-US" sz="1800" dirty="0" smtClean="0"/>
-              <a:t>의 </a:t>
-            </a:r>
-            <a:r>
-              <a:rPr lang="ko-KR" altLang="en-US" sz="1800" b="1" dirty="0" smtClean="0"/>
-              <a:t>정상 종료</a:t>
-            </a:r>
-            <a:endParaRPr lang="en-US" altLang="ko-KR" sz="1800" b="1" dirty="0" smtClean="0"/>
-          </a:p>
-          <a:p>
-            <a:pPr lvl="1">
-              <a:lnSpc>
-                <a:spcPct val="150000"/>
-              </a:lnSpc>
-            </a:pPr>
+              <a:t>T2</a:t>
+            </a:r>
+            <a:r>
+              <a:rPr lang="ko-KR" altLang="en-US" sz="1800" dirty="0" smtClean="0"/>
+              <a:t>가 실행을 끝내든지</a:t>
+            </a:r>
             <a:r>
               <a:rPr lang="en-US" altLang="ko-KR" sz="1800" dirty="0" smtClean="0"/>
-              <a:t>DDL, DCL </a:t>
-            </a:r>
-            <a:r>
-              <a:rPr lang="ko-KR" altLang="en-US" sz="1800" dirty="0" smtClean="0"/>
-              <a:t>명령문이 실행되는 경우</a:t>
-            </a:r>
-            <a:endParaRPr lang="en-US" altLang="ko-KR" sz="1800" dirty="0"/>
-          </a:p>
-          <a:p>
-            <a:pPr>
-              <a:lnSpc>
-                <a:spcPct val="150000"/>
-              </a:lnSpc>
-            </a:pPr>
-            <a:r>
-              <a:rPr lang="ko-KR" altLang="en-US" sz="1800" b="1" dirty="0" smtClean="0"/>
-              <a:t>자동으로 </a:t>
-            </a:r>
-            <a:r>
-              <a:rPr lang="en-US" altLang="ko-KR" sz="1800" b="1" dirty="0" smtClean="0"/>
-              <a:t>Rollback</a:t>
+              <a:t>, </a:t>
+            </a:r>
+            <a:r>
+              <a:rPr lang="ko-KR" altLang="en-US" sz="1800" dirty="0" smtClean="0"/>
+              <a:t>아니면 </a:t>
             </a:r>
             <a:r>
               <a:rPr lang="en-US" altLang="ko-KR" sz="1800" dirty="0" smtClean="0"/>
-              <a:t> </a:t>
-            </a:r>
-            <a:r>
-              <a:rPr lang="ko-KR" altLang="en-US" sz="1800" dirty="0" smtClean="0"/>
-              <a:t>되는 경우 </a:t>
-            </a:r>
-            <a:r>
-              <a:rPr lang="en-US" altLang="ko-KR" sz="1800" dirty="0"/>
-              <a:t>(Auto </a:t>
+              <a:t>T1</a:t>
+            </a:r>
+            <a:r>
+              <a:rPr lang="ko-KR" altLang="en-US" sz="1800" dirty="0" smtClean="0"/>
+              <a:t>이 끝난 뒤에 </a:t>
             </a:r>
             <a:r>
               <a:rPr lang="en-US" altLang="ko-KR" sz="1800" dirty="0" smtClean="0"/>
-              <a:t>Rollback)</a:t>
-            </a:r>
-          </a:p>
-          <a:p>
-            <a:pPr marL="685800" lvl="2">
-              <a:lnSpc>
-                <a:spcPct val="150000"/>
-              </a:lnSpc>
-              <a:spcBef>
-                <a:spcPts val="1000"/>
-              </a:spcBef>
-            </a:pPr>
-            <a:r>
-              <a:rPr lang="en-US" altLang="ko-KR" sz="1800" dirty="0"/>
-              <a:t>SQL*Plus</a:t>
-            </a:r>
-            <a:r>
-              <a:rPr lang="ko-KR" altLang="en-US" sz="1800" dirty="0"/>
-              <a:t>의 </a:t>
-            </a:r>
-            <a:r>
-              <a:rPr lang="ko-KR" altLang="en-US" sz="1800" b="1" dirty="0" smtClean="0"/>
-              <a:t>비정상 종료</a:t>
-            </a:r>
-            <a:endParaRPr lang="en-US" altLang="ko-KR" sz="1800" b="1" dirty="0" smtClean="0"/>
-          </a:p>
-          <a:p>
-            <a:pPr marL="685800" lvl="2">
-              <a:lnSpc>
-                <a:spcPct val="150000"/>
-              </a:lnSpc>
-              <a:spcBef>
-                <a:spcPts val="1000"/>
-              </a:spcBef>
-            </a:pPr>
-            <a:r>
-              <a:rPr lang="ko-KR" altLang="en-US" sz="1800" dirty="0" smtClean="0"/>
-              <a:t>정전이나 컴퓨터의 의도치 않은 다운</a:t>
-            </a:r>
-            <a:endParaRPr lang="en-US" altLang="ko-KR" sz="1800" dirty="0"/>
-          </a:p>
-          <a:p>
-            <a:pPr>
-              <a:lnSpc>
-                <a:spcPct val="150000"/>
-              </a:lnSpc>
-            </a:pPr>
-            <a:endParaRPr lang="en-US" altLang="ko-KR" sz="1800" dirty="0" smtClean="0"/>
-          </a:p>
-          <a:p>
-            <a:pPr>
-              <a:lnSpc>
-                <a:spcPct val="150000"/>
-              </a:lnSpc>
-            </a:pPr>
-            <a:endParaRPr lang="en-US" altLang="ko-KR" sz="1800" dirty="0" smtClean="0"/>
+              <a:t>T1</a:t>
+            </a:r>
+            <a:r>
+              <a:rPr lang="ko-KR" altLang="en-US" sz="1800" dirty="0" smtClean="0"/>
+              <a:t>이 시작되기 전에 </a:t>
+            </a:r>
+            <a:r>
+              <a:rPr lang="en-US" altLang="ko-KR" sz="1800" dirty="0" smtClean="0"/>
+              <a:t>T2</a:t>
+            </a:r>
+            <a:r>
+              <a:rPr lang="ko-KR" altLang="en-US" sz="1800" dirty="0" smtClean="0"/>
+              <a:t>가 실행을 끝내든지</a:t>
+            </a:r>
+            <a:r>
+              <a:rPr lang="en-US" altLang="ko-KR" sz="1800" dirty="0" smtClean="0"/>
+              <a:t>, </a:t>
+            </a:r>
+            <a:r>
+              <a:rPr lang="ko-KR" altLang="en-US" sz="1800" dirty="0" smtClean="0"/>
+              <a:t>아니면 </a:t>
+            </a:r>
+            <a:r>
+              <a:rPr lang="en-US" altLang="ko-KR" sz="1800" dirty="0" smtClean="0"/>
+              <a:t>T1</a:t>
+            </a:r>
+            <a:r>
+              <a:rPr lang="ko-KR" altLang="en-US" sz="1800" dirty="0" smtClean="0"/>
+              <a:t>이 끝난 뒤에 </a:t>
+            </a:r>
+            <a:r>
+              <a:rPr lang="en-US" altLang="ko-KR" sz="1800" dirty="0" smtClean="0"/>
+              <a:t>T2</a:t>
+            </a:r>
+            <a:r>
+              <a:rPr lang="ko-KR" altLang="en-US" sz="1800" dirty="0" smtClean="0"/>
+              <a:t>가 실행되도록 보장해야 한다</a:t>
+            </a:r>
+            <a:r>
+              <a:rPr lang="en-US" altLang="ko-KR" sz="1800" dirty="0" smtClean="0"/>
+              <a:t>. </a:t>
+            </a:r>
           </a:p>
         </p:txBody>
       </p:sp>
     </p:spTree>
     <p:extLst>
       <p:ext uri="{BB962C8B-B14F-4D97-AF65-F5344CB8AC3E}">
-        <p14:creationId xmlns:p14="http://schemas.microsoft.com/office/powerpoint/2010/main" val="1284981441"/>
+        <p14:creationId xmlns:p14="http://schemas.microsoft.com/office/powerpoint/2010/main" val="1757442340"/>
       </p:ext>
     </p:extLst>
   </p:cSld>
   <p:clrMapOvr>
     <a:masterClrMapping/>
   </p:clrMapOvr>
+  <p:timing>
+    <p:tnLst>
+      <p:par>
+        <p:cTn id="1" dur="indefinite" restart="never" nodeType="tmRoot"/>
+      </p:par>
+    </p:tnLst>
+  </p:timing>
 </p:sld>
 </file>
 
@@ -5956,6 +6878,14 @@
               <a:rPr lang="en-US" altLang="ko-KR" b="1" dirty="0" smtClean="0"/>
               <a:t>Transaction</a:t>
             </a:r>
+            <a:r>
+              <a:rPr lang="ko-KR" altLang="en-US" b="1" dirty="0" smtClean="0"/>
+              <a:t>이 되기 위한 조건 </a:t>
+            </a:r>
+            <a:r>
+              <a:rPr lang="en-US" altLang="ko-KR" b="1" dirty="0" smtClean="0"/>
+              <a:t>(ACID)</a:t>
+            </a:r>
             <a:endParaRPr lang="ko-KR" altLang="en-US" b="1" dirty="0"/>
           </a:p>
         </p:txBody>
@@ -5988,193 +6918,67 @@
               </a:lnSpc>
             </a:pPr>
             <a:r>
-              <a:rPr lang="ko-KR" altLang="en-US" sz="1800" b="1" dirty="0" smtClean="0">
-                <a:solidFill>
-                  <a:srgbClr val="FF0000"/>
-                </a:solidFill>
-              </a:rPr>
-              <a:t>현재 </a:t>
-            </a:r>
-            <a:r>
-              <a:rPr lang="ko-KR" altLang="en-US" sz="1800" b="1" dirty="0">
-                <a:solidFill>
-                  <a:srgbClr val="FF0000"/>
-                </a:solidFill>
-              </a:rPr>
-              <a:t>사용자</a:t>
-            </a:r>
-            <a:r>
-              <a:rPr lang="ko-KR" altLang="en-US" sz="1800" dirty="0"/>
-              <a:t>는 </a:t>
-            </a:r>
-            <a:r>
-              <a:rPr lang="en-US" altLang="ko-KR" sz="1800" dirty="0"/>
-              <a:t>SELECT</a:t>
-            </a:r>
-            <a:r>
-              <a:rPr lang="ko-KR" altLang="en-US" sz="1800" dirty="0"/>
-              <a:t>문장으로 </a:t>
-            </a:r>
-            <a:r>
-              <a:rPr lang="en-US" altLang="ko-KR" sz="1800" dirty="0"/>
-              <a:t>DML</a:t>
-            </a:r>
-            <a:r>
-              <a:rPr lang="ko-KR" altLang="en-US" sz="1800" dirty="0"/>
-              <a:t>작업의 결과를 </a:t>
-            </a:r>
-            <a:r>
-              <a:rPr lang="ko-KR" altLang="en-US" sz="1800" b="1" dirty="0">
-                <a:solidFill>
-                  <a:srgbClr val="FF0000"/>
-                </a:solidFill>
-              </a:rPr>
-              <a:t>확인할 수 </a:t>
-            </a:r>
-            <a:r>
-              <a:rPr lang="ko-KR" altLang="en-US" sz="1800" b="1" dirty="0" smtClean="0">
-                <a:solidFill>
-                  <a:srgbClr val="FF0000"/>
-                </a:solidFill>
-              </a:rPr>
-              <a:t>있음</a:t>
-            </a:r>
-            <a:endParaRPr lang="en-US" altLang="ko-KR" sz="1800" b="1" dirty="0">
-              <a:solidFill>
-                <a:srgbClr val="FF0000"/>
-              </a:solidFill>
-            </a:endParaRPr>
-          </a:p>
-          <a:p>
-            <a:pPr>
-              <a:lnSpc>
-                <a:spcPct val="150000"/>
-              </a:lnSpc>
-            </a:pPr>
-            <a:r>
-              <a:rPr lang="ko-KR" altLang="en-US" sz="1800" b="1" dirty="0" smtClean="0">
-                <a:solidFill>
-                  <a:srgbClr val="FF0000"/>
-                </a:solidFill>
-              </a:rPr>
-              <a:t>다른 </a:t>
-            </a:r>
-            <a:r>
-              <a:rPr lang="ko-KR" altLang="en-US" sz="1800" b="1" dirty="0">
-                <a:solidFill>
-                  <a:srgbClr val="FF0000"/>
-                </a:solidFill>
-              </a:rPr>
-              <a:t>사용자</a:t>
-            </a:r>
-            <a:r>
-              <a:rPr lang="ko-KR" altLang="en-US" sz="1800" dirty="0"/>
-              <a:t>는 </a:t>
-            </a:r>
-            <a:r>
-              <a:rPr lang="en-US" altLang="ko-KR" sz="1800" dirty="0"/>
-              <a:t>SELECT</a:t>
-            </a:r>
-            <a:r>
-              <a:rPr lang="ko-KR" altLang="en-US" sz="1800" dirty="0"/>
-              <a:t>문장으로 현재 사용자 사용한 </a:t>
-            </a:r>
-            <a:r>
-              <a:rPr lang="en-US" altLang="ko-KR" sz="1800" b="1" dirty="0">
-                <a:solidFill>
-                  <a:srgbClr val="FF0000"/>
-                </a:solidFill>
-              </a:rPr>
-              <a:t>DML</a:t>
-            </a:r>
-            <a:r>
-              <a:rPr lang="ko-KR" altLang="en-US" sz="1800" b="1" dirty="0">
-                <a:solidFill>
-                  <a:srgbClr val="FF0000"/>
-                </a:solidFill>
-              </a:rPr>
-              <a:t>문장의 결과를 확인할 수 </a:t>
-            </a:r>
-            <a:r>
-              <a:rPr lang="ko-KR" altLang="en-US" sz="1800" b="1" dirty="0" smtClean="0">
-                <a:solidFill>
-                  <a:srgbClr val="FF0000"/>
-                </a:solidFill>
-              </a:rPr>
-              <a:t>없음</a:t>
-            </a:r>
-            <a:endParaRPr lang="en-US" altLang="ko-KR" sz="1800" b="1" dirty="0">
-              <a:solidFill>
-                <a:srgbClr val="FF0000"/>
-              </a:solidFill>
-            </a:endParaRPr>
-          </a:p>
-          <a:p>
-            <a:pPr>
-              <a:lnSpc>
-                <a:spcPct val="150000"/>
-              </a:lnSpc>
-            </a:pPr>
-            <a:r>
-              <a:rPr lang="ko-KR" altLang="en-US" sz="1800" dirty="0" smtClean="0"/>
-              <a:t>변경할 </a:t>
-            </a:r>
-            <a:r>
-              <a:rPr lang="ko-KR" altLang="en-US" sz="1800" dirty="0"/>
-              <a:t>행은 </a:t>
-            </a:r>
-            <a:r>
-              <a:rPr lang="en-US" altLang="ko-KR" sz="1800" b="1" dirty="0">
-                <a:solidFill>
-                  <a:srgbClr val="FF0000"/>
-                </a:solidFill>
-              </a:rPr>
-              <a:t>LOCK</a:t>
-            </a:r>
-            <a:r>
-              <a:rPr lang="ko-KR" altLang="en-US" sz="1800" b="1" dirty="0">
-                <a:solidFill>
-                  <a:srgbClr val="FF0000"/>
-                </a:solidFill>
-              </a:rPr>
-              <a:t>이 </a:t>
-            </a:r>
-            <a:r>
-              <a:rPr lang="ko-KR" altLang="en-US" sz="1800" b="1" dirty="0" smtClean="0">
-                <a:solidFill>
-                  <a:srgbClr val="FF0000"/>
-                </a:solidFill>
-              </a:rPr>
-              <a:t>설정</a:t>
-            </a:r>
-            <a:r>
-              <a:rPr lang="ko-KR" altLang="en-US" sz="1800" dirty="0" smtClean="0"/>
-              <a:t>되어서 </a:t>
-            </a:r>
-            <a:r>
-              <a:rPr lang="ko-KR" altLang="en-US" sz="1800" dirty="0"/>
-              <a:t>다른 사용자가 변경 할 수 </a:t>
-            </a:r>
-            <a:r>
-              <a:rPr lang="ko-KR" altLang="en-US" sz="1800" dirty="0" smtClean="0"/>
-              <a:t>없음 </a:t>
+              <a:rPr lang="en-US" altLang="ko-KR" sz="1800" b="1" dirty="0" smtClean="0"/>
+              <a:t>Durability </a:t>
+            </a:r>
+            <a:r>
+              <a:rPr lang="en-US" altLang="ko-KR" sz="1800" b="1" dirty="0"/>
+              <a:t>(</a:t>
+            </a:r>
+            <a:r>
+              <a:rPr lang="ko-KR" altLang="en-US" sz="1800" b="1" dirty="0"/>
+              <a:t>영속성</a:t>
+            </a:r>
+            <a:r>
+              <a:rPr lang="en-US" altLang="ko-KR" sz="1800" b="1" dirty="0"/>
+              <a:t>)</a:t>
+            </a:r>
+          </a:p>
+          <a:p>
+            <a:pPr lvl="1">
+              <a:lnSpc>
+                <a:spcPct val="150000"/>
+              </a:lnSpc>
+            </a:pPr>
+            <a:r>
+              <a:rPr lang="ko-KR" altLang="en-US" sz="1800" dirty="0" smtClean="0"/>
+              <a:t>트랜잭션의 실행이 성공적으로 실행 완료된 후에는 시스템에 오류가 발생하더라도 트랜잭션에 의해 변경된 내용은 계속 보존되어야 한다</a:t>
             </a:r>
             <a:r>
               <a:rPr lang="en-US" altLang="ko-KR" sz="1800" dirty="0" smtClean="0"/>
-              <a:t>(</a:t>
-            </a:r>
-            <a:r>
-              <a:rPr lang="ko-KR" altLang="en-US" sz="1800" b="1" dirty="0" smtClean="0"/>
-              <a:t>고립성</a:t>
-            </a:r>
-            <a:r>
-              <a:rPr lang="ko-KR" altLang="en-US" sz="1800" dirty="0" smtClean="0"/>
-              <a:t>과 연관</a:t>
+              <a:t>. </a:t>
+            </a:r>
+          </a:p>
+          <a:p>
+            <a:pPr lvl="1">
+              <a:lnSpc>
+                <a:spcPct val="150000"/>
+              </a:lnSpc>
+            </a:pPr>
+            <a:endParaRPr lang="en-US" altLang="ko-KR" sz="1800" dirty="0" smtClean="0"/>
+          </a:p>
+          <a:p>
+            <a:pPr lvl="1">
+              <a:lnSpc>
+                <a:spcPct val="150000"/>
+              </a:lnSpc>
+            </a:pPr>
+            <a:r>
+              <a:rPr lang="ko-KR" altLang="en-US" sz="1800" dirty="0" smtClean="0"/>
+              <a:t>성공적으로 완료된 트랜잭션의 결과는 영구적으로 반영되어야 한다</a:t>
             </a:r>
             <a:r>
               <a:rPr lang="en-US" altLang="ko-KR" sz="1800" dirty="0" smtClean="0"/>
-              <a:t>)</a:t>
-            </a:r>
+              <a:t>. </a:t>
+            </a:r>
+          </a:p>
+          <a:p>
+            <a:pPr lvl="1">
+              <a:lnSpc>
+                <a:spcPct val="150000"/>
+              </a:lnSpc>
+            </a:pPr>
+            <a:endParaRPr lang="en-US" altLang="ko-KR" sz="1800" dirty="0"/>
           </a:p>
           <a:p>
             <a:pPr marL="457200" lvl="1" indent="0">
@@ -6184,49 +6988,33 @@
               <a:buNone/>
             </a:pPr>
             <a:r>
-              <a:rPr lang="en-US" altLang="ko-KR" sz="1400" dirty="0" smtClean="0"/>
-              <a:t>『</a:t>
-            </a:r>
-            <a:r>
-              <a:rPr lang="ko-KR" altLang="en-US" sz="1400" dirty="0" smtClean="0"/>
-              <a:t>예시 </a:t>
-            </a:r>
-            <a:r>
-              <a:rPr lang="en-US" altLang="ko-KR" sz="1400" dirty="0" smtClean="0"/>
-              <a:t>– </a:t>
-            </a:r>
-            <a:r>
-              <a:rPr lang="ko-KR" altLang="en-US" sz="1400" dirty="0" smtClean="0"/>
-              <a:t>극장 예매</a:t>
-            </a:r>
-            <a:r>
-              <a:rPr lang="en-US" altLang="ko-KR" sz="1400" dirty="0" smtClean="0"/>
-              <a:t>, </a:t>
-            </a:r>
-            <a:r>
-              <a:rPr lang="ko-KR" altLang="en-US" sz="1400" dirty="0" smtClean="0"/>
-              <a:t>도서대여 </a:t>
-            </a:r>
-            <a:r>
-              <a:rPr lang="en-US" altLang="ko-KR" sz="1400" dirty="0" smtClean="0"/>
-              <a:t>』</a:t>
-            </a:r>
-            <a:endParaRPr lang="en-US" altLang="ko-KR" sz="1400" dirty="0"/>
-          </a:p>
-          <a:p>
-            <a:pPr lvl="1">
-              <a:lnSpc>
-                <a:spcPct val="150000"/>
-              </a:lnSpc>
-            </a:pPr>
-            <a:endParaRPr lang="en-US" altLang="ko-KR" sz="1800" dirty="0" smtClean="0"/>
+              <a:rPr lang="ko-KR" altLang="en-US" sz="1600" dirty="0" smtClean="0"/>
+              <a:t>예시</a:t>
+            </a:r>
+            <a:r>
+              <a:rPr lang="en-US" altLang="ko-KR" sz="1600" dirty="0" smtClean="0"/>
+              <a:t>) A</a:t>
+            </a:r>
+            <a:r>
+              <a:rPr lang="ko-KR" altLang="en-US" sz="1600" dirty="0" smtClean="0"/>
+              <a:t>계좌에서 </a:t>
+            </a:r>
+            <a:r>
+              <a:rPr lang="en-US" altLang="ko-KR" sz="1600" dirty="0" smtClean="0"/>
+              <a:t>B</a:t>
+            </a:r>
+            <a:r>
+              <a:rPr lang="ko-KR" altLang="en-US" sz="1600" dirty="0" smtClean="0"/>
+              <a:t>계좌로 돈을 이체하는 트랜잭션 완료 후에는 항상 이체가 완료된 상태를 유지</a:t>
+            </a:r>
+            <a:endParaRPr lang="en-US" altLang="ko-KR" sz="1600" dirty="0" smtClean="0"/>
           </a:p>
         </p:txBody>
       </p:sp>
     </p:spTree>
     <p:extLst>
       <p:ext uri="{BB962C8B-B14F-4D97-AF65-F5344CB8AC3E}">
-        <p14:creationId xmlns:p14="http://schemas.microsoft.com/office/powerpoint/2010/main" val="1691629090"/>
+        <p14:creationId xmlns:p14="http://schemas.microsoft.com/office/powerpoint/2010/main" val="3168887916"/>
       </p:ext>
     </p:extLst>
   </p:cSld>
@@ -6284,7 +7072,15 @@
           <a:p>
             <a:r>
               <a:rPr lang="en-US" altLang="ko-KR" b="1" dirty="0" smtClean="0"/>
-              <a:t>Transaction (SAVEPOINT)</a:t>
+              <a:t>Transaction</a:t>
+            </a:r>
+            <a:r>
+              <a:rPr lang="ko-KR" altLang="en-US" b="1" dirty="0" smtClean="0"/>
+              <a:t>이 되기 위한 조건 </a:t>
+            </a:r>
+            <a:r>
+              <a:rPr lang="en-US" altLang="ko-KR" b="1" dirty="0" smtClean="0"/>
+              <a:t>(ACID)</a:t>
             </a:r>
             <a:endParaRPr lang="ko-KR" altLang="en-US" b="1" dirty="0"/>
           </a:p>
@@ -6318,42 +7114,14 @@
               </a:lnSpc>
             </a:pPr>
             <a:r>
-              <a:rPr lang="ko-KR" altLang="en-US" sz="1800" dirty="0" smtClean="0"/>
-              <a:t>큰 트랜잭션을 </a:t>
-            </a:r>
-            <a:r>
-              <a:rPr lang="ko-KR" altLang="en-US" sz="1800" b="1" dirty="0" smtClean="0"/>
-              <a:t>작은 단위로 분할하여 실행</a:t>
-            </a:r>
-            <a:r>
-              <a:rPr lang="ko-KR" altLang="en-US" sz="1800" dirty="0" smtClean="0"/>
-              <a:t>하고 되돌릴 수 있게 하는 명령어</a:t>
-            </a:r>
-            <a:endParaRPr lang="en-US" altLang="ko-KR" sz="1800" dirty="0" smtClean="0"/>
-          </a:p>
-          <a:p>
-            <a:pPr>
-              <a:lnSpc>
-                <a:spcPct val="150000"/>
-              </a:lnSpc>
-            </a:pPr>
-            <a:r>
-              <a:rPr lang="en-US" altLang="ko-KR" sz="1800" dirty="0" smtClean="0"/>
-              <a:t>SAVEPOINT </a:t>
-            </a:r>
-            <a:r>
-              <a:rPr lang="ko-KR" altLang="en-US" sz="1800" b="1" dirty="0" smtClean="0">
-                <a:solidFill>
-                  <a:srgbClr val="FF0000"/>
-                </a:solidFill>
-              </a:rPr>
-              <a:t>세이브포인트이름</a:t>
-            </a:r>
-            <a:endParaRPr lang="en-US" altLang="ko-KR" sz="1800" b="1" dirty="0" smtClean="0">
-              <a:solidFill>
-                <a:srgbClr val="FF0000"/>
-              </a:solidFill>
-            </a:endParaRPr>
+              <a:rPr lang="ko-KR" altLang="en-US" sz="1600" b="1" dirty="0" err="1" smtClean="0"/>
+              <a:t>원자성이</a:t>
+            </a:r>
+            <a:r>
+              <a:rPr lang="ko-KR" altLang="en-US" sz="1600" b="1" dirty="0" smtClean="0"/>
+              <a:t> 필요한 사례</a:t>
+            </a:r>
+            <a:endParaRPr lang="en-US" altLang="ko-KR" sz="1600" b="1" dirty="0" smtClean="0"/>
           </a:p>
           <a:p>
             <a:pPr lvl="1">
@@ -6362,34 +7130,96 @@
               </a:lnSpc>
             </a:pPr>
             <a:r>
-              <a:rPr lang="ko-KR" altLang="en-US" sz="1800" dirty="0" smtClean="0"/>
-              <a:t>같은 이름의 세이브포인트를 생성하면 그 전에 있던 세이브포인트는 지워짐</a:t>
-            </a:r>
-            <a:endParaRPr lang="en-US" altLang="ko-KR" sz="1800" dirty="0" smtClean="0"/>
-          </a:p>
-          <a:p>
-            <a:pPr>
-              <a:lnSpc>
-                <a:spcPct val="150000"/>
-              </a:lnSpc>
-            </a:pPr>
-            <a:r>
-              <a:rPr lang="en-US" altLang="ko-KR" sz="1800" dirty="0" smtClean="0"/>
-              <a:t>ROLLBACK TO </a:t>
-            </a:r>
-            <a:r>
-              <a:rPr lang="ko-KR" altLang="en-US" sz="1800" b="1" dirty="0" smtClean="0">
-                <a:solidFill>
-                  <a:srgbClr val="FF0000"/>
-                </a:solidFill>
-              </a:rPr>
-              <a:t>세이브포인트이름</a:t>
-            </a:r>
-            <a:endParaRPr lang="en-US" altLang="ko-KR" sz="1800" b="1" dirty="0" smtClean="0">
-              <a:solidFill>
-                <a:srgbClr val="FF0000"/>
-              </a:solidFill>
-            </a:endParaRPr>
+              <a:rPr lang="ko-KR" altLang="en-US" sz="1600" dirty="0" err="1" smtClean="0"/>
+              <a:t>십만원을</a:t>
+            </a:r>
+            <a:r>
+              <a:rPr lang="ko-KR" altLang="en-US" sz="1600" dirty="0" smtClean="0"/>
+              <a:t> 다른 </a:t>
+            </a:r>
+            <a:r>
+              <a:rPr lang="ko-KR" altLang="en-US" sz="1600" dirty="0"/>
+              <a:t>계</a:t>
+            </a:r>
+            <a:r>
+              <a:rPr lang="ko-KR" altLang="en-US" sz="1600" dirty="0" smtClean="0"/>
+              <a:t>좌로 송금하는 상황</a:t>
+            </a:r>
+            <a:endParaRPr lang="en-US" altLang="ko-KR" sz="1600" dirty="0" smtClean="0"/>
+          </a:p>
+          <a:p>
+            <a:pPr marL="1257300" lvl="2" indent="-342900">
+              <a:lnSpc>
+                <a:spcPct val="150000"/>
+              </a:lnSpc>
+              <a:buFont typeface="+mj-lt"/>
+              <a:buAutoNum type="arabicPeriod"/>
+            </a:pPr>
+            <a:r>
+              <a:rPr lang="ko-KR" altLang="en-US" sz="1600" dirty="0" smtClean="0"/>
+              <a:t>송금액만큼 </a:t>
+            </a:r>
+            <a:r>
+              <a:rPr lang="ko-KR" altLang="en-US" sz="1600" b="1" dirty="0" smtClean="0"/>
+              <a:t>기존의 계좌에서 금액을 차감</a:t>
+            </a:r>
+            <a:r>
+              <a:rPr lang="ko-KR" altLang="en-US" sz="1600" dirty="0" smtClean="0"/>
+              <a:t>해야 함 </a:t>
+            </a:r>
+            <a:r>
+              <a:rPr lang="en-US" altLang="ko-KR" sz="1600" dirty="0" smtClean="0"/>
+              <a:t>(</a:t>
+            </a:r>
+            <a:r>
+              <a:rPr lang="ko-KR" altLang="en-US" sz="1600" dirty="0" smtClean="0"/>
+              <a:t>내 계좌 </a:t>
+            </a:r>
+            <a:r>
+              <a:rPr lang="en-US" altLang="ko-KR" sz="1600" b="1" dirty="0" smtClean="0"/>
+              <a:t>-10</a:t>
+            </a:r>
+            <a:r>
+              <a:rPr lang="ko-KR" altLang="en-US" sz="1600" b="1" dirty="0" smtClean="0"/>
+              <a:t>만원</a:t>
+            </a:r>
+            <a:r>
+              <a:rPr lang="en-US" altLang="ko-KR" sz="1600" dirty="0" smtClean="0"/>
+              <a:t>)</a:t>
+            </a:r>
+          </a:p>
+          <a:p>
+            <a:pPr marL="1257300" lvl="2" indent="-342900">
+              <a:lnSpc>
+                <a:spcPct val="150000"/>
+              </a:lnSpc>
+              <a:buFont typeface="+mj-lt"/>
+              <a:buAutoNum type="arabicPeriod"/>
+            </a:pPr>
+            <a:r>
+              <a:rPr lang="ko-KR" altLang="en-US" sz="1600" dirty="0" smtClean="0"/>
+              <a:t>다른 계좌의 금액에 송금액 만큼의 금액을 올려주어야 함 </a:t>
+            </a:r>
+            <a:r>
+              <a:rPr lang="en-US" altLang="ko-KR" sz="1600" dirty="0" smtClean="0"/>
+              <a:t>(</a:t>
+            </a:r>
+            <a:r>
+              <a:rPr lang="ko-KR" altLang="en-US" sz="1600" dirty="0" smtClean="0"/>
+              <a:t>다른 계좌 </a:t>
+            </a:r>
+            <a:r>
+              <a:rPr lang="en-US" altLang="ko-KR" sz="1600" b="1" dirty="0" smtClean="0"/>
+              <a:t>+10</a:t>
+            </a:r>
+            <a:r>
+              <a:rPr lang="ko-KR" altLang="en-US" sz="1600" b="1" dirty="0" smtClean="0"/>
+              <a:t>만원</a:t>
+            </a:r>
+            <a:r>
+              <a:rPr lang="en-US" altLang="ko-KR" sz="1600" dirty="0" smtClean="0"/>
+              <a:t>)</a:t>
+            </a:r>
           </a:p>
           <a:p>
             <a:pPr lvl="1">
@@ -6398,14 +7228,29 @@
               </a:lnSpc>
             </a:pPr>
             <a:r>
-              <a:rPr lang="ko-KR" altLang="en-US" sz="1800" dirty="0" smtClean="0"/>
-              <a:t>해당 </a:t>
-            </a:r>
-            <a:r>
-              <a:rPr lang="ko-KR" altLang="en-US" sz="1800" b="1" dirty="0" smtClean="0"/>
-              <a:t>세이브포인트 시점으로 롤백</a:t>
-            </a:r>
-            <a:endParaRPr lang="en-US" altLang="ko-KR" sz="1800" b="1" dirty="0" smtClean="0"/>
+              <a:rPr lang="ko-KR" altLang="en-US" sz="1600" dirty="0" smtClean="0"/>
+              <a:t>만약 </a:t>
+            </a:r>
+            <a:r>
+              <a:rPr lang="en-US" altLang="ko-KR" sz="1600" dirty="0" smtClean="0"/>
+              <a:t>1</a:t>
+            </a:r>
+            <a:r>
+              <a:rPr lang="ko-KR" altLang="en-US" sz="1600" dirty="0" smtClean="0"/>
+              <a:t>번만 실행되고 </a:t>
+            </a:r>
+            <a:r>
+              <a:rPr lang="en-US" altLang="ko-KR" sz="1600" dirty="0" smtClean="0"/>
+              <a:t>2</a:t>
+            </a:r>
+            <a:r>
+              <a:rPr lang="ko-KR" altLang="en-US" sz="1600" dirty="0" smtClean="0"/>
+              <a:t>번이 모종의 이유로 인해 실행되지 않는다면</a:t>
+            </a:r>
+            <a:r>
+              <a:rPr lang="en-US" altLang="ko-KR" sz="1600" dirty="0" smtClean="0"/>
+              <a:t>?</a:t>
+            </a:r>
           </a:p>
           <a:p>
             <a:pPr lvl="1">
@@ -6414,21 +7259,226 @@
               </a:lnSpc>
             </a:pPr>
             <a:r>
-              <a:rPr lang="ko-KR" altLang="en-US" sz="1800" b="1" dirty="0" smtClean="0"/>
-              <a:t>역순으로 롤백은 가능</a:t>
-            </a:r>
-            <a:r>
-              <a:rPr lang="ko-KR" altLang="en-US" sz="1800" dirty="0" smtClean="0"/>
-              <a:t>하나 그 반대로는 롤백이 불가능</a:t>
-            </a:r>
-            <a:endParaRPr lang="en-US" altLang="ko-KR" sz="1800" dirty="0" smtClean="0"/>
+              <a:rPr lang="ko-KR" altLang="en-US" sz="1600" dirty="0" smtClean="0"/>
+              <a:t>따라서 </a:t>
+            </a:r>
+            <a:r>
+              <a:rPr lang="ko-KR" altLang="en-US" sz="1600" b="1" dirty="0" smtClean="0"/>
+              <a:t>모든 명령어 전체가 실행되지 않을 것이라면</a:t>
+            </a:r>
+            <a:r>
+              <a:rPr lang="ko-KR" altLang="en-US" sz="1600" dirty="0" smtClean="0"/>
+              <a:t> 전체가 전부 실행되지 않아야 함 </a:t>
+            </a:r>
+            <a:r>
+              <a:rPr lang="en-US" altLang="ko-KR" sz="1600" dirty="0" smtClean="0"/>
+              <a:t>(All-or-Nothing)</a:t>
+            </a:r>
+          </a:p>
+          <a:p>
+            <a:pPr lvl="1">
+              <a:lnSpc>
+                <a:spcPct val="150000"/>
+              </a:lnSpc>
+            </a:pPr>
+            <a:r>
+              <a:rPr lang="ko-KR" altLang="en-US" sz="1600" dirty="0" smtClean="0"/>
+              <a:t>좀 더 복잡한 상황</a:t>
+            </a:r>
+            <a:r>
+              <a:rPr lang="en-US" altLang="ko-KR" sz="1600" dirty="0"/>
+              <a:t> </a:t>
+            </a:r>
+            <a:r>
+              <a:rPr lang="en-US" altLang="ko-KR" sz="1600" dirty="0" smtClean="0"/>
+              <a:t>(</a:t>
+            </a:r>
+            <a:r>
+              <a:rPr lang="ko-KR" altLang="en-US" sz="1600" dirty="0" smtClean="0"/>
+              <a:t>현재 콘서트 좌석</a:t>
+            </a:r>
+            <a:r>
+              <a:rPr lang="en-US" altLang="ko-KR" sz="1600" dirty="0" smtClean="0"/>
+              <a:t>(R</a:t>
+            </a:r>
+            <a:r>
+              <a:rPr lang="ko-KR" altLang="en-US" sz="1600" dirty="0" smtClean="0"/>
+              <a:t>석</a:t>
+            </a:r>
+            <a:r>
+              <a:rPr lang="en-US" altLang="ko-KR" sz="1600" dirty="0" smtClean="0"/>
+              <a:t>)</a:t>
+            </a:r>
+            <a:r>
+              <a:rPr lang="ko-KR" altLang="en-US" sz="1600" dirty="0" smtClean="0"/>
+              <a:t>을 환불하고 다른 더 좋은 좌석</a:t>
+            </a:r>
+            <a:r>
+              <a:rPr lang="en-US" altLang="ko-KR" sz="1600" dirty="0" smtClean="0"/>
+              <a:t>(S</a:t>
+            </a:r>
+            <a:r>
+              <a:rPr lang="ko-KR" altLang="en-US" sz="1600" dirty="0" smtClean="0"/>
+              <a:t>석</a:t>
+            </a:r>
+            <a:r>
+              <a:rPr lang="en-US" altLang="ko-KR" sz="1600" dirty="0" smtClean="0"/>
+              <a:t>)</a:t>
+            </a:r>
+            <a:r>
+              <a:rPr lang="ko-KR" altLang="en-US" sz="1600" dirty="0" smtClean="0"/>
+              <a:t>을 예매하려고 하는 상황</a:t>
+            </a:r>
+            <a:r>
+              <a:rPr lang="en-US" altLang="ko-KR" sz="1600" dirty="0" smtClean="0"/>
+              <a:t>)</a:t>
+            </a:r>
+          </a:p>
+          <a:p>
+            <a:pPr marL="1257300" lvl="2" indent="-342900">
+              <a:lnSpc>
+                <a:spcPct val="150000"/>
+              </a:lnSpc>
+              <a:buFont typeface="+mj-lt"/>
+              <a:buAutoNum type="arabicPeriod"/>
+            </a:pPr>
+            <a:r>
+              <a:rPr lang="ko-KR" altLang="en-US" sz="1600" dirty="0" smtClean="0"/>
+              <a:t>콘서트 좌석 예매를 취소</a:t>
+            </a:r>
+            <a:r>
+              <a:rPr lang="en-US" altLang="ko-KR" sz="1600" dirty="0" smtClean="0"/>
+              <a:t>(R</a:t>
+            </a:r>
+            <a:r>
+              <a:rPr lang="ko-KR" altLang="en-US" sz="1600" dirty="0" smtClean="0"/>
+              <a:t>석</a:t>
+            </a:r>
+            <a:r>
+              <a:rPr lang="en-US" altLang="ko-KR" sz="1600" dirty="0"/>
+              <a:t>) </a:t>
+            </a:r>
+            <a:r>
+              <a:rPr lang="en-US" altLang="ko-KR" sz="1600" dirty="0" smtClean="0"/>
+              <a:t>→ </a:t>
+            </a:r>
+            <a:r>
+              <a:rPr lang="ko-KR" altLang="en-US" sz="1600" dirty="0"/>
+              <a:t>여기까지만 완료되면 </a:t>
+            </a:r>
+            <a:r>
+              <a:rPr lang="ko-KR" altLang="en-US" sz="1600" dirty="0" smtClean="0"/>
+              <a:t>고객에게 최악의 상황</a:t>
+            </a:r>
+            <a:endParaRPr lang="en-US" altLang="ko-KR" sz="1600" dirty="0" smtClean="0"/>
+          </a:p>
+          <a:p>
+            <a:pPr marL="1257300" lvl="2" indent="-342900">
+              <a:lnSpc>
+                <a:spcPct val="150000"/>
+              </a:lnSpc>
+              <a:buFont typeface="+mj-lt"/>
+              <a:buAutoNum type="arabicPeriod"/>
+            </a:pPr>
+            <a:r>
+              <a:rPr lang="ko-KR" altLang="en-US" sz="1600" dirty="0" smtClean="0"/>
+              <a:t>좌석의 예매 비용만큼을 환불 </a:t>
+            </a:r>
+            <a:r>
+              <a:rPr lang="ko-KR" altLang="en-US" sz="1600" dirty="0"/>
+              <a:t>계좌로 환불 </a:t>
+            </a:r>
+            <a:r>
+              <a:rPr lang="ko-KR" altLang="en-US" sz="1600" dirty="0" smtClean="0"/>
+              <a:t>→ 여기까지만 완료되면 고객은 본전은 건짐</a:t>
+            </a:r>
+            <a:endParaRPr lang="en-US" altLang="ko-KR" sz="1600" dirty="0" smtClean="0"/>
+          </a:p>
+          <a:p>
+            <a:pPr marL="1257300" lvl="2" indent="-342900">
+              <a:lnSpc>
+                <a:spcPct val="150000"/>
+              </a:lnSpc>
+              <a:buFont typeface="+mj-lt"/>
+              <a:buAutoNum type="arabicPeriod"/>
+            </a:pPr>
+            <a:r>
+              <a:rPr lang="ko-KR" altLang="en-US" sz="1600" dirty="0" smtClean="0"/>
+              <a:t>콘서트 좌석 다시 예매 </a:t>
+            </a:r>
+            <a:r>
+              <a:rPr lang="en-US" altLang="ko-KR" sz="1600" dirty="0" smtClean="0"/>
+              <a:t>(S</a:t>
+            </a:r>
+            <a:r>
+              <a:rPr lang="ko-KR" altLang="en-US" sz="1600" dirty="0" smtClean="0"/>
+              <a:t>석</a:t>
+            </a:r>
+            <a:r>
+              <a:rPr lang="en-US" altLang="ko-KR" sz="1600" dirty="0"/>
+              <a:t>) </a:t>
+            </a:r>
+            <a:r>
+              <a:rPr lang="en-US" altLang="ko-KR" sz="1600" dirty="0" smtClean="0"/>
+              <a:t>→ </a:t>
+            </a:r>
+            <a:r>
+              <a:rPr lang="ko-KR" altLang="en-US" sz="1600" dirty="0" smtClean="0"/>
+              <a:t>여기까지만 완료되면 콘서트 업체에게 최악의 상황</a:t>
+            </a:r>
+            <a:endParaRPr lang="en-US" altLang="ko-KR" sz="1600" dirty="0" smtClean="0"/>
+          </a:p>
+          <a:p>
+            <a:pPr marL="1257300" lvl="2" indent="-342900">
+              <a:lnSpc>
+                <a:spcPct val="150000"/>
+              </a:lnSpc>
+              <a:buFont typeface="+mj-lt"/>
+              <a:buAutoNum type="arabicPeriod"/>
+            </a:pPr>
+            <a:r>
+              <a:rPr lang="ko-KR" altLang="en-US" sz="1600" dirty="0" smtClean="0"/>
+              <a:t>좌석의 예매 비용만큼을 </a:t>
+            </a:r>
+            <a:r>
+              <a:rPr lang="ko-KR" altLang="en-US" sz="1600" dirty="0"/>
+              <a:t>계좌에서 차감 </a:t>
+            </a:r>
+            <a:r>
+              <a:rPr lang="ko-KR" altLang="en-US" sz="1600" dirty="0" smtClean="0"/>
+              <a:t>→ 다 끝나야 가장 정상적으로 끝나는 상황</a:t>
+            </a:r>
+            <a:endParaRPr lang="en-US" altLang="ko-KR" sz="1600" dirty="0" smtClean="0"/>
+          </a:p>
+          <a:p>
+            <a:pPr lvl="1">
+              <a:lnSpc>
+                <a:spcPct val="150000"/>
+              </a:lnSpc>
+            </a:pPr>
+            <a:r>
+              <a:rPr lang="ko-KR" altLang="en-US" sz="1600" dirty="0" smtClean="0"/>
+              <a:t>이 상황 역시 </a:t>
+            </a:r>
+            <a:r>
+              <a:rPr lang="ko-KR" altLang="en-US" sz="1600" b="1" dirty="0" smtClean="0"/>
+              <a:t>모두 한꺼번에 처리</a:t>
+            </a:r>
+            <a:r>
+              <a:rPr lang="ko-KR" altLang="en-US" sz="1600" dirty="0" smtClean="0"/>
+              <a:t>되어야 함 </a:t>
+            </a:r>
+            <a:r>
+              <a:rPr lang="en-US" altLang="ko-KR" sz="1600" dirty="0" smtClean="0"/>
+              <a:t>(All-or-Nothing)</a:t>
+            </a:r>
           </a:p>
         </p:txBody>
       </p:sp>
     </p:spTree>
     <p:extLst>
       <p:ext uri="{BB962C8B-B14F-4D97-AF65-F5344CB8AC3E}">
-        <p14:creationId xmlns:p14="http://schemas.microsoft.com/office/powerpoint/2010/main" val="3824218265"/>
+        <p14:creationId xmlns:p14="http://schemas.microsoft.com/office/powerpoint/2010/main" val="942533849"/>
       </p:ext>
     </p:extLst>
   </p:cSld>
